--- a/4E1 HF-Project-Presentation.pptx
+++ b/4E1 HF-Project-Presentation.pptx
@@ -5,7 +5,7 @@
     <p:sldMasterId id="2147484035" r:id="rId1"/>
   </p:sldMasterIdLst>
   <p:notesMasterIdLst>
-    <p:notesMasterId r:id="rId22"/>
+    <p:notesMasterId r:id="rId21"/>
   </p:notesMasterIdLst>
   <p:sldIdLst>
     <p:sldId id="256" r:id="rId2"/>
@@ -19,15 +19,14 @@
     <p:sldId id="273" r:id="rId10"/>
     <p:sldId id="271" r:id="rId11"/>
     <p:sldId id="264" r:id="rId12"/>
-    <p:sldId id="276" r:id="rId13"/>
-    <p:sldId id="277" r:id="rId14"/>
-    <p:sldId id="282" r:id="rId15"/>
-    <p:sldId id="259" r:id="rId16"/>
-    <p:sldId id="279" r:id="rId17"/>
-    <p:sldId id="280" r:id="rId18"/>
-    <p:sldId id="281" r:id="rId19"/>
-    <p:sldId id="283" r:id="rId20"/>
-    <p:sldId id="261" r:id="rId21"/>
+    <p:sldId id="277" r:id="rId13"/>
+    <p:sldId id="282" r:id="rId14"/>
+    <p:sldId id="259" r:id="rId15"/>
+    <p:sldId id="279" r:id="rId16"/>
+    <p:sldId id="280" r:id="rId17"/>
+    <p:sldId id="281" r:id="rId18"/>
+    <p:sldId id="283" r:id="rId19"/>
+    <p:sldId id="261" r:id="rId20"/>
   </p:sldIdLst>
   <p:sldSz cx="12192000" cy="6858000"/>
   <p:notesSz cx="6858000" cy="9144000"/>
@@ -220,7 +219,7 @@
           <a:p>
             <a:fld id="{8E4A3351-2FD4-40FC-B19B-289ED25C6E61}" type="datetimeFigureOut">
               <a:rPr lang="en-US" smtClean="0"/>
-              <a:t>14/04/2018</a:t>
+              <a:t>15/04/2018</a:t>
             </a:fld>
             <a:endParaRPr lang="en-US"/>
           </a:p>
@@ -713,7 +712,7 @@
           <a:p>
             <a:fld id="{AB0B6517-64D8-444D-BB25-C32FA5FB974A}" type="datetimeFigureOut">
               <a:rPr lang="en-US" smtClean="0"/>
-              <a:t>14/04/2018</a:t>
+              <a:t>15/04/2018</a:t>
             </a:fld>
             <a:endParaRPr lang="en-US"/>
           </a:p>
@@ -926,7 +925,7 @@
           <a:p>
             <a:fld id="{AB0B6517-64D8-444D-BB25-C32FA5FB974A}" type="datetimeFigureOut">
               <a:rPr lang="en-US" smtClean="0"/>
-              <a:t>14/04/2018</a:t>
+              <a:t>15/04/2018</a:t>
             </a:fld>
             <a:endParaRPr lang="en-US"/>
           </a:p>
@@ -1182,7 +1181,7 @@
           <a:p>
             <a:fld id="{AB0B6517-64D8-444D-BB25-C32FA5FB974A}" type="datetimeFigureOut">
               <a:rPr lang="en-US" smtClean="0"/>
-              <a:t>14/04/2018</a:t>
+              <a:t>15/04/2018</a:t>
             </a:fld>
             <a:endParaRPr lang="en-US"/>
           </a:p>
@@ -1361,7 +1360,7 @@
           <a:p>
             <a:fld id="{AB0B6517-64D8-444D-BB25-C32FA5FB974A}" type="datetimeFigureOut">
               <a:rPr lang="en-US" smtClean="0"/>
-              <a:t>14/04/2018</a:t>
+              <a:t>15/04/2018</a:t>
             </a:fld>
             <a:endParaRPr lang="en-US"/>
           </a:p>
@@ -1704,7 +1703,7 @@
           <a:p>
             <a:fld id="{AB0B6517-64D8-444D-BB25-C32FA5FB974A}" type="datetimeFigureOut">
               <a:rPr lang="en-US" smtClean="0"/>
-              <a:t>14/04/2018</a:t>
+              <a:t>15/04/2018</a:t>
             </a:fld>
             <a:endParaRPr lang="en-US"/>
           </a:p>
@@ -1984,7 +1983,7 @@
           <a:p>
             <a:fld id="{AB0B6517-64D8-444D-BB25-C32FA5FB974A}" type="datetimeFigureOut">
               <a:rPr lang="en-US" smtClean="0"/>
-              <a:t>14/04/2018</a:t>
+              <a:t>15/04/2018</a:t>
             </a:fld>
             <a:endParaRPr lang="en-US"/>
           </a:p>
@@ -2363,7 +2362,7 @@
           <a:p>
             <a:fld id="{AB0B6517-64D8-444D-BB25-C32FA5FB974A}" type="datetimeFigureOut">
               <a:rPr lang="en-US" smtClean="0"/>
-              <a:t>14/04/2018</a:t>
+              <a:t>15/04/2018</a:t>
             </a:fld>
             <a:endParaRPr lang="en-US"/>
           </a:p>
@@ -2481,7 +2480,7 @@
           <a:p>
             <a:fld id="{AB0B6517-64D8-444D-BB25-C32FA5FB974A}" type="datetimeFigureOut">
               <a:rPr lang="en-US" smtClean="0"/>
-              <a:t>14/04/2018</a:t>
+              <a:t>15/04/2018</a:t>
             </a:fld>
             <a:endParaRPr lang="en-US"/>
           </a:p>
@@ -2652,7 +2651,7 @@
           <a:p>
             <a:fld id="{AB0B6517-64D8-444D-BB25-C32FA5FB974A}" type="datetimeFigureOut">
               <a:rPr lang="en-US" smtClean="0"/>
-              <a:t>14/04/2018</a:t>
+              <a:t>15/04/2018</a:t>
             </a:fld>
             <a:endParaRPr lang="en-US"/>
           </a:p>
@@ -3011,7 +3010,7 @@
           <a:p>
             <a:fld id="{AB0B6517-64D8-444D-BB25-C32FA5FB974A}" type="datetimeFigureOut">
               <a:rPr lang="en-US" smtClean="0"/>
-              <a:t>14/04/2018</a:t>
+              <a:t>15/04/2018</a:t>
             </a:fld>
             <a:endParaRPr lang="en-US"/>
           </a:p>
@@ -3398,7 +3397,7 @@
           <a:p>
             <a:fld id="{AB0B6517-64D8-444D-BB25-C32FA5FB974A}" type="datetimeFigureOut">
               <a:rPr lang="en-US" smtClean="0"/>
-              <a:t>14/04/2018</a:t>
+              <a:t>15/04/2018</a:t>
             </a:fld>
             <a:endParaRPr lang="en-US"/>
           </a:p>
@@ -3685,7 +3684,7 @@
           <a:p>
             <a:fld id="{AB0B6517-64D8-444D-BB25-C32FA5FB974A}" type="datetimeFigureOut">
               <a:rPr lang="en-US" smtClean="0"/>
-              <a:t>14/04/2018</a:t>
+              <a:t>15/04/2018</a:t>
             </a:fld>
             <a:endParaRPr lang="en-US"/>
           </a:p>
@@ -4244,16 +4243,7 @@
                 </a:solidFill>
                 <a:latin typeface="+mn-lt"/>
               </a:rPr>
-              <a:t>CE4</a:t>
-            </a:r>
-            <a:r>
-              <a:rPr lang="en-IE" sz="5400" b="1" dirty="0" smtClean="0">
-                <a:solidFill>
-                  <a:schemeClr val="tx1"/>
-                </a:solidFill>
-                <a:latin typeface="+mn-lt"/>
-              </a:rPr>
-              <a:t>E2 </a:t>
+              <a:t>CE4E2 </a:t>
             </a:r>
             <a:r>
               <a:rPr lang="en-IE" sz="5400" b="1" dirty="0">
@@ -4404,13 +4394,13 @@
   <p:clrMapOvr>
     <a:masterClrMapping/>
   </p:clrMapOvr>
-  <mc:AlternateContent xmlns:mc="http://schemas.openxmlformats.org/markup-compatibility/2006">
-    <mc:Choice xmlns:p15="http://schemas.microsoft.com/office/powerpoint/2012/main" Requires="p15">
+  <mc:AlternateContent xmlns:mc="http://schemas.openxmlformats.org/markup-compatibility/2006" xmlns:p15="http://schemas.microsoft.com/office/powerpoint/2012/main">
+    <mc:Choice Requires="p15">
       <p:transition xmlns:p14="http://schemas.microsoft.com/office/powerpoint/2010/main" spd="slow" p14:dur="1250">
         <p15:prstTrans prst="peelOff"/>
       </p:transition>
     </mc:Choice>
-    <mc:Fallback>
+    <mc:Fallback xmlns="">
       <p:transition spd="slow">
         <p:fade/>
       </p:transition>
@@ -4716,13 +4706,13 @@
   <p:clrMapOvr>
     <a:masterClrMapping/>
   </p:clrMapOvr>
-  <mc:AlternateContent xmlns:mc="http://schemas.openxmlformats.org/markup-compatibility/2006">
-    <mc:Choice xmlns:p15="http://schemas.microsoft.com/office/powerpoint/2012/main" Requires="p15">
+  <mc:AlternateContent xmlns:mc="http://schemas.openxmlformats.org/markup-compatibility/2006" xmlns:p15="http://schemas.microsoft.com/office/powerpoint/2012/main">
+    <mc:Choice Requires="p15">
       <p:transition xmlns:p14="http://schemas.microsoft.com/office/powerpoint/2010/main" spd="slow" p14:dur="1250">
         <p15:prstTrans prst="peelOff"/>
       </p:transition>
     </mc:Choice>
-    <mc:Fallback>
+    <mc:Fallback xmlns="">
       <p:transition spd="slow">
         <p:fade/>
       </p:transition>
@@ -5047,13 +5037,13 @@
   <p:clrMapOvr>
     <a:masterClrMapping/>
   </p:clrMapOvr>
-  <mc:AlternateContent xmlns:mc="http://schemas.openxmlformats.org/markup-compatibility/2006">
-    <mc:Choice xmlns:p15="http://schemas.microsoft.com/office/powerpoint/2012/main" Requires="p15">
+  <mc:AlternateContent xmlns:mc="http://schemas.openxmlformats.org/markup-compatibility/2006" xmlns:p15="http://schemas.microsoft.com/office/powerpoint/2012/main">
+    <mc:Choice Requires="p15">
       <p:transition xmlns:p14="http://schemas.microsoft.com/office/powerpoint/2010/main" spd="slow" p14:dur="1250">
         <p15:prstTrans prst="peelOff"/>
       </p:transition>
     </mc:Choice>
-    <mc:Fallback>
+    <mc:Fallback xmlns="">
       <p:transition spd="slow">
         <p:fade/>
       </p:transition>
@@ -5097,7 +5087,7 @@
         <p:spPr>
           <a:xfrm>
             <a:off x="1260034" y="2033195"/>
-            <a:ext cx="9869784" cy="1243405"/>
+            <a:ext cx="9650054" cy="4118223"/>
           </a:xfrm>
           <a:prstGeom prst="rect">
             <a:avLst/>
@@ -5105,7 +5095,7 @@
         </p:spPr>
         <p:txBody>
           <a:bodyPr vert="horz" lIns="91440" tIns="45720" rIns="91440" bIns="45720" rtlCol="0">
-            <a:normAutofit lnSpcReduction="10000"/>
+            <a:normAutofit/>
           </a:bodyPr>
           <a:lstStyle>
             <a:lvl1pPr marL="228600" indent="-228600" algn="l" defTabSz="914400" rtl="0" eaLnBrk="1" latinLnBrk="0" hangingPunct="1">
@@ -5273,16 +5263,6 @@
           </a:lstStyle>
           <a:p>
             <a:pPr marL="442913" indent="-442913"/>
-            <a:r>
-              <a:rPr lang="en-IE" dirty="0" smtClean="0"/>
-              <a:t>The following the rest of the .bat file. The only difference here is that the directory should go back to default, in my case “C:/Users”</a:t>
-            </a:r>
-            <a:endParaRPr lang="en-IE" dirty="0"/>
-          </a:p>
-          <a:p>
-            <a:pPr marL="0" indent="0">
-              <a:buNone/>
-            </a:pPr>
             <a:endParaRPr lang="en-IE" sz="2400" dirty="0"/>
           </a:p>
         </p:txBody>
@@ -5295,8 +5275,8 @@
         </p:nvSpPr>
         <p:spPr>
           <a:xfrm>
-            <a:off x="1260034" y="939613"/>
-            <a:ext cx="8554650" cy="769441"/>
+            <a:off x="1260034" y="968188"/>
+            <a:ext cx="8351069" cy="769441"/>
           </a:xfrm>
           <a:prstGeom prst="rect">
             <a:avLst/>
@@ -5315,29 +5295,279 @@
             </a:r>
             <a:r>
               <a:rPr lang="en-IE" sz="4400" b="1" dirty="0" smtClean="0"/>
-              <a:t>–Fetching the results</a:t>
+              <a:t>– Fetching the result</a:t>
             </a:r>
             <a:endParaRPr lang="en-IE" sz="4400" b="1" dirty="0"/>
+          </a:p>
+        </p:txBody>
+      </p:sp>
+      <p:pic>
+        <p:nvPicPr>
+          <p:cNvPr id="6" name="Picture 5"/>
+          <p:cNvPicPr>
+            <a:picLocks noChangeAspect="1"/>
+          </p:cNvPicPr>
+          <p:nvPr/>
+        </p:nvPicPr>
+        <p:blipFill rotWithShape="1">
+          <a:blip r:embed="rId2"/>
+          <a:srcRect t="21945" r="62031" b="28333"/>
+          <a:stretch/>
+        </p:blipFill>
+        <p:spPr>
+          <a:xfrm>
+            <a:off x="366491" y="2133600"/>
+            <a:ext cx="4652176" cy="4017818"/>
+          </a:xfrm>
+          <a:prstGeom prst="rect">
+            <a:avLst/>
+          </a:prstGeom>
+        </p:spPr>
+      </p:pic>
+      <p:pic>
+        <p:nvPicPr>
+          <p:cNvPr id="7" name="Picture 6"/>
+          <p:cNvPicPr>
+            <a:picLocks noChangeAspect="1"/>
+          </p:cNvPicPr>
+          <p:nvPr/>
+        </p:nvPicPr>
+        <p:blipFill rotWithShape="1">
+          <a:blip r:embed="rId3"/>
+          <a:srcRect t="47361" r="62891" b="4027"/>
+          <a:stretch/>
+        </p:blipFill>
+        <p:spPr>
+          <a:xfrm>
+            <a:off x="7165543" y="2238374"/>
+            <a:ext cx="4935654" cy="3913044"/>
+          </a:xfrm>
+          <a:prstGeom prst="rect">
+            <a:avLst/>
+          </a:prstGeom>
+        </p:spPr>
+      </p:pic>
+      <p:cxnSp>
+        <p:nvCxnSpPr>
+          <p:cNvPr id="8" name="Elbow Connector 7"/>
+          <p:cNvCxnSpPr/>
+          <p:nvPr/>
+        </p:nvCxnSpPr>
+        <p:spPr>
+          <a:xfrm rot="10800000" flipV="1">
+            <a:off x="6099673" y="2305050"/>
+            <a:ext cx="1065870" cy="723902"/>
+          </a:xfrm>
+          <a:prstGeom prst="bentConnector3">
+            <a:avLst/>
+          </a:prstGeom>
+        </p:spPr>
+        <p:style>
+          <a:lnRef idx="1">
+            <a:schemeClr val="accent1"/>
+          </a:lnRef>
+          <a:fillRef idx="0">
+            <a:schemeClr val="accent1"/>
+          </a:fillRef>
+          <a:effectRef idx="0">
+            <a:schemeClr val="accent1"/>
+          </a:effectRef>
+          <a:fontRef idx="minor">
+            <a:schemeClr val="tx1"/>
+          </a:fontRef>
+        </p:style>
+      </p:cxnSp>
+      <p:cxnSp>
+        <p:nvCxnSpPr>
+          <p:cNvPr id="11" name="Elbow Connector 10"/>
+          <p:cNvCxnSpPr/>
+          <p:nvPr/>
+        </p:nvCxnSpPr>
+        <p:spPr>
+          <a:xfrm>
+            <a:off x="884605" y="2238374"/>
+            <a:ext cx="3201620" cy="790578"/>
+          </a:xfrm>
+          <a:prstGeom prst="bentConnector3">
+            <a:avLst/>
+          </a:prstGeom>
+        </p:spPr>
+        <p:style>
+          <a:lnRef idx="1">
+            <a:schemeClr val="accent1"/>
+          </a:lnRef>
+          <a:fillRef idx="0">
+            <a:schemeClr val="accent1"/>
+          </a:fillRef>
+          <a:effectRef idx="0">
+            <a:schemeClr val="accent1"/>
+          </a:effectRef>
+          <a:fontRef idx="minor">
+            <a:schemeClr val="tx1"/>
+          </a:fontRef>
+        </p:style>
+      </p:cxnSp>
+      <p:sp>
+        <p:nvSpPr>
+          <p:cNvPr id="15" name="Rectangle 14"/>
+          <p:cNvSpPr/>
+          <p:nvPr/>
+        </p:nvSpPr>
+        <p:spPr>
+          <a:xfrm>
+            <a:off x="4086226" y="2033194"/>
+            <a:ext cx="1998836" cy="1672031"/>
+          </a:xfrm>
+          <a:prstGeom prst="rect">
+            <a:avLst/>
+          </a:prstGeom>
+        </p:spPr>
+        <p:style>
+          <a:lnRef idx="2">
+            <a:schemeClr val="accent1"/>
+          </a:lnRef>
+          <a:fillRef idx="1">
+            <a:schemeClr val="lt1"/>
+          </a:fillRef>
+          <a:effectRef idx="0">
+            <a:schemeClr val="accent1"/>
+          </a:effectRef>
+          <a:fontRef idx="minor">
+            <a:schemeClr val="dk1"/>
+          </a:fontRef>
+        </p:style>
+        <p:txBody>
+          <a:bodyPr rtlCol="0" anchor="ctr"/>
+          <a:lstStyle/>
+          <a:p>
+            <a:pPr algn="ctr"/>
+            <a:r>
+              <a:rPr lang="en-GB" dirty="0" smtClean="0"/>
+              <a:t>“Cd ..“ command bring the user one directory back, in my case I need to go back different amount of times.</a:t>
+            </a:r>
+            <a:endParaRPr lang="en-US" dirty="0"/>
+          </a:p>
+        </p:txBody>
+      </p:sp>
+      <p:cxnSp>
+        <p:nvCxnSpPr>
+          <p:cNvPr id="19" name="Elbow Connector 18"/>
+          <p:cNvCxnSpPr/>
+          <p:nvPr/>
+        </p:nvCxnSpPr>
+        <p:spPr>
+          <a:xfrm rot="10800000">
+            <a:off x="6400801" y="5467350"/>
+            <a:ext cx="764743" cy="684068"/>
+          </a:xfrm>
+          <a:prstGeom prst="bentConnector3">
+            <a:avLst/>
+          </a:prstGeom>
+        </p:spPr>
+        <p:style>
+          <a:lnRef idx="1">
+            <a:schemeClr val="accent1"/>
+          </a:lnRef>
+          <a:fillRef idx="0">
+            <a:schemeClr val="accent1"/>
+          </a:fillRef>
+          <a:effectRef idx="0">
+            <a:schemeClr val="accent1"/>
+          </a:effectRef>
+          <a:fontRef idx="minor">
+            <a:schemeClr val="tx1"/>
+          </a:fontRef>
+        </p:style>
+      </p:cxnSp>
+      <p:cxnSp>
+        <p:nvCxnSpPr>
+          <p:cNvPr id="22" name="Elbow Connector 21"/>
+          <p:cNvCxnSpPr/>
+          <p:nvPr/>
+        </p:nvCxnSpPr>
+        <p:spPr>
+          <a:xfrm flipV="1">
+            <a:off x="3609975" y="5467350"/>
+            <a:ext cx="1408692" cy="561975"/>
+          </a:xfrm>
+          <a:prstGeom prst="bentConnector3">
+            <a:avLst/>
+          </a:prstGeom>
+        </p:spPr>
+        <p:style>
+          <a:lnRef idx="1">
+            <a:schemeClr val="accent1"/>
+          </a:lnRef>
+          <a:fillRef idx="0">
+            <a:schemeClr val="accent1"/>
+          </a:fillRef>
+          <a:effectRef idx="0">
+            <a:schemeClr val="accent1"/>
+          </a:effectRef>
+          <a:fontRef idx="minor">
+            <a:schemeClr val="tx1"/>
+          </a:fontRef>
+        </p:style>
+      </p:cxnSp>
+      <p:sp>
+        <p:nvSpPr>
+          <p:cNvPr id="24" name="Rectangle 23"/>
+          <p:cNvSpPr/>
+          <p:nvPr/>
+        </p:nvSpPr>
+        <p:spPr>
+          <a:xfrm>
+            <a:off x="5018667" y="4176027"/>
+            <a:ext cx="1382133" cy="1975391"/>
+          </a:xfrm>
+          <a:prstGeom prst="rect">
+            <a:avLst/>
+          </a:prstGeom>
+        </p:spPr>
+        <p:style>
+          <a:lnRef idx="2">
+            <a:schemeClr val="accent1"/>
+          </a:lnRef>
+          <a:fillRef idx="1">
+            <a:schemeClr val="lt1"/>
+          </a:fillRef>
+          <a:effectRef idx="0">
+            <a:schemeClr val="accent1"/>
+          </a:effectRef>
+          <a:fontRef idx="minor">
+            <a:schemeClr val="dk1"/>
+          </a:fontRef>
+        </p:style>
+        <p:txBody>
+          <a:bodyPr rtlCol="0" anchor="ctr"/>
+          <a:lstStyle/>
+          <a:p>
+            <a:pPr algn="ctr"/>
+            <a:r>
+              <a:rPr lang="en-GB" dirty="0" smtClean="0"/>
+              <a:t>The rest of the code is exactly the same, just using different testers.</a:t>
+            </a:r>
+            <a:endParaRPr lang="en-US" dirty="0"/>
           </a:p>
         </p:txBody>
       </p:sp>
     </p:spTree>
     <p:extLst>
       <p:ext uri="{BB962C8B-B14F-4D97-AF65-F5344CB8AC3E}">
-        <p14:creationId xmlns:p14="http://schemas.microsoft.com/office/powerpoint/2010/main" val="3533917588"/>
+        <p14:creationId xmlns:p14="http://schemas.microsoft.com/office/powerpoint/2010/main" val="3203190618"/>
       </p:ext>
     </p:extLst>
   </p:cSld>
   <p:clrMapOvr>
     <a:masterClrMapping/>
   </p:clrMapOvr>
-  <mc:AlternateContent xmlns:mc="http://schemas.openxmlformats.org/markup-compatibility/2006">
-    <mc:Choice xmlns:p15="http://schemas.microsoft.com/office/powerpoint/2012/main" Requires="p15">
+  <mc:AlternateContent xmlns:mc="http://schemas.openxmlformats.org/markup-compatibility/2006" xmlns:p15="http://schemas.microsoft.com/office/powerpoint/2012/main">
+    <mc:Choice Requires="p15">
       <p:transition xmlns:p14="http://schemas.microsoft.com/office/powerpoint/2010/main" spd="slow" p14:dur="1250">
         <p15:prstTrans prst="peelOff"/>
       </p:transition>
     </mc:Choice>
-    <mc:Fallback>
+    <mc:Fallback xmlns="">
       <p:transition spd="slow">
         <p:fade/>
       </p:transition>
@@ -5372,205 +5602,20 @@
       </p:grpSpPr>
       <p:sp>
         <p:nvSpPr>
-          <p:cNvPr id="4" name="Subtitle 2"/>
-          <p:cNvSpPr txBox="1">
-            <a:spLocks/>
-          </p:cNvSpPr>
-          <p:nvPr/>
-        </p:nvSpPr>
-        <p:spPr>
-          <a:xfrm>
-            <a:off x="1260034" y="2033195"/>
-            <a:ext cx="9650054" cy="4118223"/>
-          </a:xfrm>
-          <a:prstGeom prst="rect">
-            <a:avLst/>
-          </a:prstGeom>
-        </p:spPr>
-        <p:txBody>
-          <a:bodyPr vert="horz" lIns="91440" tIns="45720" rIns="91440" bIns="45720" rtlCol="0">
-            <a:normAutofit/>
-          </a:bodyPr>
-          <a:lstStyle>
-            <a:lvl1pPr marL="228600" indent="-228600" algn="l" defTabSz="914400" rtl="0" eaLnBrk="1" latinLnBrk="0" hangingPunct="1">
-              <a:lnSpc>
-                <a:spcPct val="90000"/>
-              </a:lnSpc>
-              <a:spcBef>
-                <a:spcPts val="1000"/>
-              </a:spcBef>
-              <a:buFont typeface="Arial" panose="020B0604020202020204" pitchFamily="34" charset="0"/>
-              <a:buChar char="•"/>
-              <a:defRPr sz="2800" kern="1200">
-                <a:solidFill>
-                  <a:schemeClr val="tx1"/>
-                </a:solidFill>
-                <a:latin typeface="+mn-lt"/>
-                <a:ea typeface="+mn-ea"/>
-                <a:cs typeface="+mn-cs"/>
-              </a:defRPr>
-            </a:lvl1pPr>
-            <a:lvl2pPr marL="685800" indent="-228600" algn="l" defTabSz="914400" rtl="0" eaLnBrk="1" latinLnBrk="0" hangingPunct="1">
-              <a:lnSpc>
-                <a:spcPct val="90000"/>
-              </a:lnSpc>
-              <a:spcBef>
-                <a:spcPts val="500"/>
-              </a:spcBef>
-              <a:buFont typeface="Arial" panose="020B0604020202020204" pitchFamily="34" charset="0"/>
-              <a:buChar char="•"/>
-              <a:defRPr sz="2400" kern="1200">
-                <a:solidFill>
-                  <a:schemeClr val="tx1"/>
-                </a:solidFill>
-                <a:latin typeface="+mn-lt"/>
-                <a:ea typeface="+mn-ea"/>
-                <a:cs typeface="+mn-cs"/>
-              </a:defRPr>
-            </a:lvl2pPr>
-            <a:lvl3pPr marL="1143000" indent="-228600" algn="l" defTabSz="914400" rtl="0" eaLnBrk="1" latinLnBrk="0" hangingPunct="1">
-              <a:lnSpc>
-                <a:spcPct val="90000"/>
-              </a:lnSpc>
-              <a:spcBef>
-                <a:spcPts val="500"/>
-              </a:spcBef>
-              <a:buFont typeface="Arial" panose="020B0604020202020204" pitchFamily="34" charset="0"/>
-              <a:buChar char="•"/>
-              <a:defRPr sz="2000" kern="1200">
-                <a:solidFill>
-                  <a:schemeClr val="tx1"/>
-                </a:solidFill>
-                <a:latin typeface="+mn-lt"/>
-                <a:ea typeface="+mn-ea"/>
-                <a:cs typeface="+mn-cs"/>
-              </a:defRPr>
-            </a:lvl3pPr>
-            <a:lvl4pPr marL="1600200" indent="-228600" algn="l" defTabSz="914400" rtl="0" eaLnBrk="1" latinLnBrk="0" hangingPunct="1">
-              <a:lnSpc>
-                <a:spcPct val="90000"/>
-              </a:lnSpc>
-              <a:spcBef>
-                <a:spcPts val="500"/>
-              </a:spcBef>
-              <a:buFont typeface="Arial" panose="020B0604020202020204" pitchFamily="34" charset="0"/>
-              <a:buChar char="•"/>
-              <a:defRPr sz="1800" kern="1200">
-                <a:solidFill>
-                  <a:schemeClr val="tx1"/>
-                </a:solidFill>
-                <a:latin typeface="+mn-lt"/>
-                <a:ea typeface="+mn-ea"/>
-                <a:cs typeface="+mn-cs"/>
-              </a:defRPr>
-            </a:lvl4pPr>
-            <a:lvl5pPr marL="2057400" indent="-228600" algn="l" defTabSz="914400" rtl="0" eaLnBrk="1" latinLnBrk="0" hangingPunct="1">
-              <a:lnSpc>
-                <a:spcPct val="90000"/>
-              </a:lnSpc>
-              <a:spcBef>
-                <a:spcPts val="500"/>
-              </a:spcBef>
-              <a:buFont typeface="Arial" panose="020B0604020202020204" pitchFamily="34" charset="0"/>
-              <a:buChar char="•"/>
-              <a:defRPr sz="1800" kern="1200">
-                <a:solidFill>
-                  <a:schemeClr val="tx1"/>
-                </a:solidFill>
-                <a:latin typeface="+mn-lt"/>
-                <a:ea typeface="+mn-ea"/>
-                <a:cs typeface="+mn-cs"/>
-              </a:defRPr>
-            </a:lvl5pPr>
-            <a:lvl6pPr marL="2514600" indent="-228600" algn="l" defTabSz="914400" rtl="0" eaLnBrk="1" latinLnBrk="0" hangingPunct="1">
-              <a:lnSpc>
-                <a:spcPct val="90000"/>
-              </a:lnSpc>
-              <a:spcBef>
-                <a:spcPts val="500"/>
-              </a:spcBef>
-              <a:buFont typeface="Arial" panose="020B0604020202020204" pitchFamily="34" charset="0"/>
-              <a:buChar char="•"/>
-              <a:defRPr sz="1800" kern="1200">
-                <a:solidFill>
-                  <a:schemeClr val="tx1"/>
-                </a:solidFill>
-                <a:latin typeface="+mn-lt"/>
-                <a:ea typeface="+mn-ea"/>
-                <a:cs typeface="+mn-cs"/>
-              </a:defRPr>
-            </a:lvl6pPr>
-            <a:lvl7pPr marL="2971800" indent="-228600" algn="l" defTabSz="914400" rtl="0" eaLnBrk="1" latinLnBrk="0" hangingPunct="1">
-              <a:lnSpc>
-                <a:spcPct val="90000"/>
-              </a:lnSpc>
-              <a:spcBef>
-                <a:spcPts val="500"/>
-              </a:spcBef>
-              <a:buFont typeface="Arial" panose="020B0604020202020204" pitchFamily="34" charset="0"/>
-              <a:buChar char="•"/>
-              <a:defRPr sz="1800" kern="1200">
-                <a:solidFill>
-                  <a:schemeClr val="tx1"/>
-                </a:solidFill>
-                <a:latin typeface="+mn-lt"/>
-                <a:ea typeface="+mn-ea"/>
-                <a:cs typeface="+mn-cs"/>
-              </a:defRPr>
-            </a:lvl7pPr>
-            <a:lvl8pPr marL="3429000" indent="-228600" algn="l" defTabSz="914400" rtl="0" eaLnBrk="1" latinLnBrk="0" hangingPunct="1">
-              <a:lnSpc>
-                <a:spcPct val="90000"/>
-              </a:lnSpc>
-              <a:spcBef>
-                <a:spcPts val="500"/>
-              </a:spcBef>
-              <a:buFont typeface="Arial" panose="020B0604020202020204" pitchFamily="34" charset="0"/>
-              <a:buChar char="•"/>
-              <a:defRPr sz="1800" kern="1200">
-                <a:solidFill>
-                  <a:schemeClr val="tx1"/>
-                </a:solidFill>
-                <a:latin typeface="+mn-lt"/>
-                <a:ea typeface="+mn-ea"/>
-                <a:cs typeface="+mn-cs"/>
-              </a:defRPr>
-            </a:lvl8pPr>
-            <a:lvl9pPr marL="3886200" indent="-228600" algn="l" defTabSz="914400" rtl="0" eaLnBrk="1" latinLnBrk="0" hangingPunct="1">
-              <a:lnSpc>
-                <a:spcPct val="90000"/>
-              </a:lnSpc>
-              <a:spcBef>
-                <a:spcPts val="500"/>
-              </a:spcBef>
-              <a:buFont typeface="Arial" panose="020B0604020202020204" pitchFamily="34" charset="0"/>
-              <a:buChar char="•"/>
-              <a:defRPr sz="1800" kern="1200">
-                <a:solidFill>
-                  <a:schemeClr val="tx1"/>
-                </a:solidFill>
-                <a:latin typeface="+mn-lt"/>
-                <a:ea typeface="+mn-ea"/>
-                <a:cs typeface="+mn-cs"/>
-              </a:defRPr>
-            </a:lvl9pPr>
-          </a:lstStyle>
-          <a:p>
-            <a:pPr marL="442913" indent="-442913"/>
-            <a:endParaRPr lang="en-IE" sz="2400" dirty="0"/>
-          </a:p>
-        </p:txBody>
-      </p:sp>
-      <p:sp>
-        <p:nvSpPr>
-          <p:cNvPr id="5" name="TextBox 4"/>
+          <p:cNvPr id="7" name="TextBox 6">
+            <a:extLst>
+              <a:ext uri="{FF2B5EF4-FFF2-40B4-BE49-F238E27FC236}">
+                <a16:creationId xmlns="" xmlns:a16="http://schemas.microsoft.com/office/drawing/2014/main" id="{3D63A324-31B4-4EF3-81D7-5771B23F478A}"/>
+              </a:ext>
+            </a:extLst>
+          </p:cNvPr>
           <p:cNvSpPr txBox="1"/>
           <p:nvPr/>
         </p:nvSpPr>
         <p:spPr>
           <a:xfrm>
-            <a:off x="1260034" y="968188"/>
-            <a:ext cx="8351069" cy="769441"/>
+            <a:off x="850338" y="540775"/>
+            <a:ext cx="5767092" cy="400110"/>
           </a:xfrm>
           <a:prstGeom prst="rect">
             <a:avLst/>
@@ -5583,21 +5628,104 @@
           </a:bodyPr>
           <a:lstStyle/>
           <a:p>
-            <a:r>
-              <a:rPr lang="en-IE" sz="4400" b="1" dirty="0"/>
-              <a:t>Methodology </a:t>
-            </a:r>
-            <a:r>
-              <a:rPr lang="en-IE" sz="4400" b="1" dirty="0" smtClean="0"/>
-              <a:t>– Fetching the result</a:t>
-            </a:r>
-            <a:endParaRPr lang="en-IE" sz="4400" b="1" dirty="0"/>
+            <a:pPr marL="285750" indent="-285750">
+              <a:buFont typeface="Arial" panose="020B0604020202020204" pitchFamily="34" charset="0"/>
+              <a:buChar char="•"/>
+            </a:pPr>
+            <a:r>
+              <a:rPr lang="en-IE" sz="2000" dirty="0" smtClean="0"/>
+              <a:t>An example of what happens when the script runs:</a:t>
+            </a:r>
+            <a:endParaRPr lang="en-IE" sz="2000" dirty="0"/>
+          </a:p>
+        </p:txBody>
+      </p:sp>
+      <p:sp>
+        <p:nvSpPr>
+          <p:cNvPr id="20" name="Rectangle 19"/>
+          <p:cNvSpPr/>
+          <p:nvPr/>
+        </p:nvSpPr>
+        <p:spPr>
+          <a:xfrm>
+            <a:off x="7200900" y="4143374"/>
+            <a:ext cx="1676400" cy="1457325"/>
+          </a:xfrm>
+          <a:prstGeom prst="rect">
+            <a:avLst/>
+          </a:prstGeom>
+        </p:spPr>
+        <p:style>
+          <a:lnRef idx="2">
+            <a:schemeClr val="accent1"/>
+          </a:lnRef>
+          <a:fillRef idx="1">
+            <a:schemeClr val="lt1"/>
+          </a:fillRef>
+          <a:effectRef idx="0">
+            <a:schemeClr val="accent1"/>
+          </a:effectRef>
+          <a:fontRef idx="minor">
+            <a:schemeClr val="dk1"/>
+          </a:fontRef>
+        </p:style>
+        <p:txBody>
+          <a:bodyPr rtlCol="0" anchor="ctr"/>
+          <a:lstStyle/>
+          <a:p>
+            <a:pPr algn="ctr"/>
+            <a:r>
+              <a:rPr lang="en-GB" dirty="0" smtClean="0"/>
+              <a:t>New directory created with the name as a current timestamp</a:t>
+            </a:r>
+            <a:endParaRPr lang="en-US" dirty="0"/>
+          </a:p>
+        </p:txBody>
+      </p:sp>
+      <p:sp>
+        <p:nvSpPr>
+          <p:cNvPr id="29" name="Rectangle 28"/>
+          <p:cNvSpPr/>
+          <p:nvPr/>
+        </p:nvSpPr>
+        <p:spPr>
+          <a:xfrm>
+            <a:off x="850337" y="4343400"/>
+            <a:ext cx="2588188" cy="971550"/>
+          </a:xfrm>
+          <a:prstGeom prst="rect">
+            <a:avLst/>
+          </a:prstGeom>
+        </p:spPr>
+        <p:style>
+          <a:lnRef idx="2">
+            <a:schemeClr val="accent1"/>
+          </a:lnRef>
+          <a:fillRef idx="1">
+            <a:schemeClr val="lt1"/>
+          </a:fillRef>
+          <a:effectRef idx="0">
+            <a:schemeClr val="accent1"/>
+          </a:effectRef>
+          <a:fontRef idx="minor">
+            <a:schemeClr val="dk1"/>
+          </a:fontRef>
+        </p:style>
+        <p:txBody>
+          <a:bodyPr rtlCol="0" anchor="ctr"/>
+          <a:lstStyle/>
+          <a:p>
+            <a:pPr algn="ctr"/>
+            <a:r>
+              <a:rPr lang="en-GB" dirty="0" smtClean="0"/>
+              <a:t>A list of all test sites created as JSON.</a:t>
+            </a:r>
           </a:p>
         </p:txBody>
       </p:sp>
       <p:pic>
         <p:nvPicPr>
-          <p:cNvPr id="6" name="Picture 5"/>
+          <p:cNvPr id="42" name="Picture 41"/>
           <p:cNvPicPr>
             <a:picLocks noChangeAspect="1"/>
           </p:cNvPicPr>
@@ -5605,13 +5733,13 @@
         </p:nvPicPr>
         <p:blipFill rotWithShape="1">
           <a:blip r:embed="rId2"/>
-          <a:srcRect t="21945" r="62031" b="28333"/>
+          <a:srcRect l="40859" t="2500" r="8125" b="73333"/>
           <a:stretch/>
         </p:blipFill>
         <p:spPr>
           <a:xfrm>
-            <a:off x="366491" y="2133600"/>
-            <a:ext cx="4652176" cy="4017818"/>
+            <a:off x="5654394" y="1109576"/>
+            <a:ext cx="6219826" cy="1657350"/>
           </a:xfrm>
           <a:prstGeom prst="rect">
             <a:avLst/>
@@ -5620,7 +5748,7 @@
       </p:pic>
       <p:pic>
         <p:nvPicPr>
-          <p:cNvPr id="7" name="Picture 6"/>
+          <p:cNvPr id="43" name="Picture 42"/>
           <p:cNvPicPr>
             <a:picLocks noChangeAspect="1"/>
           </p:cNvPicPr>
@@ -5628,13 +5756,13 @@
         </p:nvPicPr>
         <p:blipFill rotWithShape="1">
           <a:blip r:embed="rId3"/>
-          <a:srcRect t="47361" r="62891" b="4027"/>
+          <a:srcRect l="32109" t="3750" r="27579" b="61944"/>
           <a:stretch/>
         </p:blipFill>
         <p:spPr>
           <a:xfrm>
-            <a:off x="7165543" y="2238374"/>
-            <a:ext cx="4935654" cy="3913044"/>
+            <a:off x="739493" y="1097016"/>
+            <a:ext cx="4914901" cy="2352675"/>
           </a:xfrm>
           <a:prstGeom prst="rect">
             <a:avLst/>
@@ -5643,16 +5771,18 @@
       </p:pic>
       <p:cxnSp>
         <p:nvCxnSpPr>
-          <p:cNvPr id="8" name="Elbow Connector 7"/>
-          <p:cNvCxnSpPr/>
+          <p:cNvPr id="47" name="Elbow Connector 46"/>
+          <p:cNvCxnSpPr>
+            <a:endCxn id="20" idx="0"/>
+          </p:cNvCxnSpPr>
           <p:nvPr/>
         </p:nvCxnSpPr>
         <p:spPr>
-          <a:xfrm rot="10800000" flipV="1">
-            <a:off x="6099673" y="2305050"/>
-            <a:ext cx="1065870" cy="723902"/>
-          </a:xfrm>
-          <a:prstGeom prst="bentConnector3">
+          <a:xfrm>
+            <a:off x="5429759" y="1537490"/>
+            <a:ext cx="2609341" cy="2605884"/>
+          </a:xfrm>
+          <a:prstGeom prst="bentConnector2">
             <a:avLst/>
           </a:prstGeom>
         </p:spPr>
@@ -5673,17 +5803,19 @@
       </p:cxnSp>
       <p:cxnSp>
         <p:nvCxnSpPr>
-          <p:cNvPr id="11" name="Elbow Connector 10"/>
+          <p:cNvPr id="51" name="Elbow Connector 50"/>
           <p:cNvCxnSpPr/>
           <p:nvPr/>
         </p:nvCxnSpPr>
         <p:spPr>
-          <a:xfrm>
-            <a:off x="884605" y="2238374"/>
-            <a:ext cx="3201620" cy="790578"/>
+          <a:xfrm rot="16200000" flipV="1">
+            <a:off x="363538" y="2897187"/>
+            <a:ext cx="2647950" cy="244475"/>
           </a:xfrm>
           <a:prstGeom prst="bentConnector3">
-            <a:avLst/>
+            <a:avLst>
+              <a:gd name="adj1" fmla="val 50000"/>
+            </a:avLst>
           </a:prstGeom>
         </p:spPr>
         <p:style>
@@ -5701,167 +5833,23 @@
           </a:fontRef>
         </p:style>
       </p:cxnSp>
-      <p:sp>
-        <p:nvSpPr>
-          <p:cNvPr id="15" name="Rectangle 14"/>
-          <p:cNvSpPr/>
-          <p:nvPr/>
-        </p:nvSpPr>
-        <p:spPr>
-          <a:xfrm>
-            <a:off x="4086226" y="2033194"/>
-            <a:ext cx="1998836" cy="1672031"/>
-          </a:xfrm>
-          <a:prstGeom prst="rect">
-            <a:avLst/>
-          </a:prstGeom>
-        </p:spPr>
-        <p:style>
-          <a:lnRef idx="2">
-            <a:schemeClr val="accent1"/>
-          </a:lnRef>
-          <a:fillRef idx="1">
-            <a:schemeClr val="lt1"/>
-          </a:fillRef>
-          <a:effectRef idx="0">
-            <a:schemeClr val="accent1"/>
-          </a:effectRef>
-          <a:fontRef idx="minor">
-            <a:schemeClr val="dk1"/>
-          </a:fontRef>
-        </p:style>
-        <p:txBody>
-          <a:bodyPr rtlCol="0" anchor="ctr"/>
-          <a:lstStyle/>
-          <a:p>
-            <a:pPr algn="ctr"/>
-            <a:r>
-              <a:rPr lang="en-GB" dirty="0" smtClean="0"/>
-              <a:t>“Cd ..“ command bring the user one directory back, in my case I need to go back different amount of times.</a:t>
-            </a:r>
-            <a:endParaRPr lang="en-US" dirty="0"/>
-          </a:p>
-        </p:txBody>
-      </p:sp>
-      <p:cxnSp>
-        <p:nvCxnSpPr>
-          <p:cNvPr id="19" name="Elbow Connector 18"/>
-          <p:cNvCxnSpPr/>
-          <p:nvPr/>
-        </p:nvCxnSpPr>
-        <p:spPr>
-          <a:xfrm rot="10800000">
-            <a:off x="6400801" y="5467350"/>
-            <a:ext cx="764743" cy="684068"/>
-          </a:xfrm>
-          <a:prstGeom prst="bentConnector3">
-            <a:avLst/>
-          </a:prstGeom>
-        </p:spPr>
-        <p:style>
-          <a:lnRef idx="1">
-            <a:schemeClr val="accent1"/>
-          </a:lnRef>
-          <a:fillRef idx="0">
-            <a:schemeClr val="accent1"/>
-          </a:fillRef>
-          <a:effectRef idx="0">
-            <a:schemeClr val="accent1"/>
-          </a:effectRef>
-          <a:fontRef idx="minor">
-            <a:schemeClr val="tx1"/>
-          </a:fontRef>
-        </p:style>
-      </p:cxnSp>
-      <p:cxnSp>
-        <p:nvCxnSpPr>
-          <p:cNvPr id="22" name="Elbow Connector 21"/>
-          <p:cNvCxnSpPr/>
-          <p:nvPr/>
-        </p:nvCxnSpPr>
-        <p:spPr>
-          <a:xfrm flipV="1">
-            <a:off x="3609975" y="5467350"/>
-            <a:ext cx="1408692" cy="561975"/>
-          </a:xfrm>
-          <a:prstGeom prst="bentConnector3">
-            <a:avLst/>
-          </a:prstGeom>
-        </p:spPr>
-        <p:style>
-          <a:lnRef idx="1">
-            <a:schemeClr val="accent1"/>
-          </a:lnRef>
-          <a:fillRef idx="0">
-            <a:schemeClr val="accent1"/>
-          </a:fillRef>
-          <a:effectRef idx="0">
-            <a:schemeClr val="accent1"/>
-          </a:effectRef>
-          <a:fontRef idx="minor">
-            <a:schemeClr val="tx1"/>
-          </a:fontRef>
-        </p:style>
-      </p:cxnSp>
-      <p:sp>
-        <p:nvSpPr>
-          <p:cNvPr id="24" name="Rectangle 23"/>
-          <p:cNvSpPr/>
-          <p:nvPr/>
-        </p:nvSpPr>
-        <p:spPr>
-          <a:xfrm>
-            <a:off x="5018667" y="4176027"/>
-            <a:ext cx="1382133" cy="1975391"/>
-          </a:xfrm>
-          <a:prstGeom prst="rect">
-            <a:avLst/>
-          </a:prstGeom>
-        </p:spPr>
-        <p:style>
-          <a:lnRef idx="2">
-            <a:schemeClr val="accent1"/>
-          </a:lnRef>
-          <a:fillRef idx="1">
-            <a:schemeClr val="lt1"/>
-          </a:fillRef>
-          <a:effectRef idx="0">
-            <a:schemeClr val="accent1"/>
-          </a:effectRef>
-          <a:fontRef idx="minor">
-            <a:schemeClr val="dk1"/>
-          </a:fontRef>
-        </p:style>
-        <p:txBody>
-          <a:bodyPr rtlCol="0" anchor="ctr"/>
-          <a:lstStyle/>
-          <a:p>
-            <a:pPr algn="ctr"/>
-            <a:r>
-              <a:rPr lang="en-GB" dirty="0" smtClean="0"/>
-              <a:t>The rest of the code is exactly the same, just using different testers.</a:t>
-            </a:r>
-            <a:endParaRPr lang="en-US" dirty="0"/>
-          </a:p>
-        </p:txBody>
-      </p:sp>
     </p:spTree>
     <p:extLst>
       <p:ext uri="{BB962C8B-B14F-4D97-AF65-F5344CB8AC3E}">
-        <p14:creationId xmlns:p14="http://schemas.microsoft.com/office/powerpoint/2010/main" val="3203190618"/>
+        <p14:creationId xmlns:p14="http://schemas.microsoft.com/office/powerpoint/2010/main" val="7220622"/>
       </p:ext>
     </p:extLst>
   </p:cSld>
   <p:clrMapOvr>
     <a:masterClrMapping/>
   </p:clrMapOvr>
-  <mc:AlternateContent xmlns:mc="http://schemas.openxmlformats.org/markup-compatibility/2006">
-    <mc:Choice xmlns:p15="http://schemas.microsoft.com/office/powerpoint/2012/main" Requires="p15">
+  <mc:AlternateContent xmlns:mc="http://schemas.openxmlformats.org/markup-compatibility/2006" xmlns:p15="http://schemas.microsoft.com/office/powerpoint/2012/main">
+    <mc:Choice Requires="p15">
       <p:transition xmlns:p14="http://schemas.microsoft.com/office/powerpoint/2010/main" spd="slow" p14:dur="1250">
         <p15:prstTrans prst="peelOff"/>
       </p:transition>
     </mc:Choice>
-    <mc:Fallback>
+    <mc:Fallback xmlns="">
       <p:transition spd="slow">
         <p:fade/>
       </p:transition>
@@ -5896,20 +5884,14 @@
       </p:grpSpPr>
       <p:sp>
         <p:nvSpPr>
-          <p:cNvPr id="7" name="TextBox 6">
-            <a:extLst>
-              <a:ext uri="{FF2B5EF4-FFF2-40B4-BE49-F238E27FC236}">
-                <a16:creationId xmlns:a16="http://schemas.microsoft.com/office/drawing/2014/main" xmlns="" id="{3D63A324-31B4-4EF3-81D7-5771B23F478A}"/>
-              </a:ext>
-            </a:extLst>
-          </p:cNvPr>
+          <p:cNvPr id="4" name="TextBox 3"/>
           <p:cNvSpPr txBox="1"/>
           <p:nvPr/>
         </p:nvSpPr>
         <p:spPr>
           <a:xfrm>
-            <a:off x="850338" y="540775"/>
-            <a:ext cx="5767092" cy="400110"/>
+            <a:off x="1260034" y="968188"/>
+            <a:ext cx="1862754" cy="769441"/>
           </a:xfrm>
           <a:prstGeom prst="rect">
             <a:avLst/>
@@ -5922,230 +5904,252 @@
           </a:bodyPr>
           <a:lstStyle/>
           <a:p>
-            <a:pPr marL="285750" indent="-285750">
-              <a:buFont typeface="Arial" panose="020B0604020202020204" pitchFamily="34" charset="0"/>
-              <a:buChar char="•"/>
-            </a:pPr>
-            <a:r>
-              <a:rPr lang="en-IE" sz="2000" dirty="0" smtClean="0"/>
-              <a:t>An example of what happens when the script runs:</a:t>
-            </a:r>
-            <a:endParaRPr lang="en-IE" sz="2000" dirty="0"/>
-          </a:p>
-        </p:txBody>
-      </p:sp>
-      <p:sp>
-        <p:nvSpPr>
-          <p:cNvPr id="20" name="Rectangle 19"/>
-          <p:cNvSpPr/>
+            <a:r>
+              <a:rPr lang="en-IE" sz="4400" b="1" dirty="0"/>
+              <a:t>Results</a:t>
+            </a:r>
+          </a:p>
+        </p:txBody>
+      </p:sp>
+      <p:sp>
+        <p:nvSpPr>
+          <p:cNvPr id="5" name="Subtitle 2"/>
+          <p:cNvSpPr txBox="1">
+            <a:spLocks/>
+          </p:cNvSpPr>
           <p:nvPr/>
         </p:nvSpPr>
         <p:spPr>
           <a:xfrm>
-            <a:off x="7200900" y="4143374"/>
-            <a:ext cx="1676400" cy="1457325"/>
+            <a:off x="1182601" y="2079923"/>
+            <a:ext cx="9789512" cy="3896375"/>
           </a:xfrm>
           <a:prstGeom prst="rect">
             <a:avLst/>
           </a:prstGeom>
         </p:spPr>
-        <p:style>
-          <a:lnRef idx="2">
-            <a:schemeClr val="accent1"/>
-          </a:lnRef>
-          <a:fillRef idx="1">
-            <a:schemeClr val="lt1"/>
-          </a:fillRef>
-          <a:effectRef idx="0">
-            <a:schemeClr val="accent1"/>
-          </a:effectRef>
-          <a:fontRef idx="minor">
-            <a:schemeClr val="dk1"/>
-          </a:fontRef>
-        </p:style>
-        <p:txBody>
-          <a:bodyPr rtlCol="0" anchor="ctr"/>
-          <a:lstStyle/>
-          <a:p>
-            <a:pPr algn="ctr"/>
-            <a:r>
-              <a:rPr lang="en-GB" dirty="0" smtClean="0"/>
-              <a:t>New directory created with the name as a current timestamp</a:t>
-            </a:r>
-            <a:endParaRPr lang="en-US" dirty="0"/>
-          </a:p>
-        </p:txBody>
-      </p:sp>
-      <p:sp>
-        <p:nvSpPr>
-          <p:cNvPr id="29" name="Rectangle 28"/>
-          <p:cNvSpPr/>
-          <p:nvPr/>
-        </p:nvSpPr>
-        <p:spPr>
-          <a:xfrm>
-            <a:off x="850337" y="4343400"/>
-            <a:ext cx="2588188" cy="971550"/>
-          </a:xfrm>
-          <a:prstGeom prst="rect">
-            <a:avLst/>
-          </a:prstGeom>
-        </p:spPr>
-        <p:style>
-          <a:lnRef idx="2">
-            <a:schemeClr val="accent1"/>
-          </a:lnRef>
-          <a:fillRef idx="1">
-            <a:schemeClr val="lt1"/>
-          </a:fillRef>
-          <a:effectRef idx="0">
-            <a:schemeClr val="accent1"/>
-          </a:effectRef>
-          <a:fontRef idx="minor">
-            <a:schemeClr val="dk1"/>
-          </a:fontRef>
-        </p:style>
-        <p:txBody>
-          <a:bodyPr rtlCol="0" anchor="ctr"/>
-          <a:lstStyle/>
-          <a:p>
-            <a:pPr algn="ctr"/>
-            <a:r>
-              <a:rPr lang="en-GB" dirty="0" smtClean="0"/>
-              <a:t>A list of all test sites created as JSON.</a:t>
-            </a:r>
-          </a:p>
-        </p:txBody>
-      </p:sp>
-      <p:pic>
-        <p:nvPicPr>
-          <p:cNvPr id="42" name="Picture 41"/>
-          <p:cNvPicPr>
-            <a:picLocks noChangeAspect="1"/>
-          </p:cNvPicPr>
-          <p:nvPr/>
-        </p:nvPicPr>
-        <p:blipFill rotWithShape="1">
-          <a:blip r:embed="rId2"/>
-          <a:srcRect l="40859" t="2500" r="8125" b="73333"/>
-          <a:stretch/>
-        </p:blipFill>
-        <p:spPr>
-          <a:xfrm>
-            <a:off x="5610225" y="1165448"/>
-            <a:ext cx="6219826" cy="1657350"/>
-          </a:xfrm>
-          <a:prstGeom prst="rect">
-            <a:avLst/>
-          </a:prstGeom>
-        </p:spPr>
-      </p:pic>
-      <p:pic>
-        <p:nvPicPr>
-          <p:cNvPr id="43" name="Picture 42"/>
-          <p:cNvPicPr>
-            <a:picLocks noChangeAspect="1"/>
-          </p:cNvPicPr>
-          <p:nvPr/>
-        </p:nvPicPr>
-        <p:blipFill rotWithShape="1">
-          <a:blip r:embed="rId3"/>
-          <a:srcRect l="32109" t="3750" r="27579" b="61944"/>
-          <a:stretch/>
-        </p:blipFill>
-        <p:spPr>
-          <a:xfrm>
-            <a:off x="695324" y="910315"/>
-            <a:ext cx="4914901" cy="2352675"/>
-          </a:xfrm>
-          <a:prstGeom prst="rect">
-            <a:avLst/>
-          </a:prstGeom>
-        </p:spPr>
-      </p:pic>
-      <p:cxnSp>
-        <p:nvCxnSpPr>
-          <p:cNvPr id="47" name="Elbow Connector 46"/>
-          <p:cNvCxnSpPr>
-            <a:endCxn id="20" idx="0"/>
-          </p:cNvCxnSpPr>
-          <p:nvPr/>
-        </p:nvCxnSpPr>
-        <p:spPr>
-          <a:xfrm rot="16200000" flipH="1">
-            <a:off x="5357813" y="1462087"/>
-            <a:ext cx="2809874" cy="2552700"/>
-          </a:xfrm>
-          <a:prstGeom prst="bentConnector3">
-            <a:avLst>
-              <a:gd name="adj1" fmla="val 62542"/>
-            </a:avLst>
-          </a:prstGeom>
-        </p:spPr>
-        <p:style>
-          <a:lnRef idx="1">
-            <a:schemeClr val="accent1"/>
-          </a:lnRef>
-          <a:fillRef idx="0">
-            <a:schemeClr val="accent1"/>
-          </a:fillRef>
-          <a:effectRef idx="0">
-            <a:schemeClr val="accent1"/>
-          </a:effectRef>
-          <a:fontRef idx="minor">
-            <a:schemeClr val="tx1"/>
-          </a:fontRef>
-        </p:style>
-      </p:cxnSp>
-      <p:cxnSp>
-        <p:nvCxnSpPr>
-          <p:cNvPr id="51" name="Elbow Connector 50"/>
-          <p:cNvCxnSpPr/>
-          <p:nvPr/>
-        </p:nvCxnSpPr>
-        <p:spPr>
-          <a:xfrm rot="16200000" flipV="1">
-            <a:off x="363538" y="2897187"/>
-            <a:ext cx="2647950" cy="244475"/>
-          </a:xfrm>
-          <a:prstGeom prst="bentConnector3">
-            <a:avLst>
-              <a:gd name="adj1" fmla="val 50000"/>
-            </a:avLst>
-          </a:prstGeom>
-        </p:spPr>
-        <p:style>
-          <a:lnRef idx="1">
-            <a:schemeClr val="accent1"/>
-          </a:lnRef>
-          <a:fillRef idx="0">
-            <a:schemeClr val="accent1"/>
-          </a:fillRef>
-          <a:effectRef idx="0">
-            <a:schemeClr val="accent1"/>
-          </a:effectRef>
-          <a:fontRef idx="minor">
-            <a:schemeClr val="tx1"/>
-          </a:fontRef>
-        </p:style>
-      </p:cxnSp>
+        <p:txBody>
+          <a:bodyPr vert="horz" lIns="91440" tIns="45720" rIns="91440" bIns="45720" rtlCol="0">
+            <a:normAutofit fontScale="77500" lnSpcReduction="20000"/>
+          </a:bodyPr>
+          <a:lstStyle>
+            <a:lvl1pPr marL="228600" indent="-228600" algn="l" defTabSz="914400" rtl="0" eaLnBrk="1" latinLnBrk="0" hangingPunct="1">
+              <a:lnSpc>
+                <a:spcPct val="90000"/>
+              </a:lnSpc>
+              <a:spcBef>
+                <a:spcPts val="1000"/>
+              </a:spcBef>
+              <a:buFont typeface="Arial" panose="020B0604020202020204" pitchFamily="34" charset="0"/>
+              <a:buChar char="•"/>
+              <a:defRPr sz="2800" kern="1200">
+                <a:solidFill>
+                  <a:schemeClr val="tx1"/>
+                </a:solidFill>
+                <a:latin typeface="+mn-lt"/>
+                <a:ea typeface="+mn-ea"/>
+                <a:cs typeface="+mn-cs"/>
+              </a:defRPr>
+            </a:lvl1pPr>
+            <a:lvl2pPr marL="685800" indent="-228600" algn="l" defTabSz="914400" rtl="0" eaLnBrk="1" latinLnBrk="0" hangingPunct="1">
+              <a:lnSpc>
+                <a:spcPct val="90000"/>
+              </a:lnSpc>
+              <a:spcBef>
+                <a:spcPts val="500"/>
+              </a:spcBef>
+              <a:buFont typeface="Arial" panose="020B0604020202020204" pitchFamily="34" charset="0"/>
+              <a:buChar char="•"/>
+              <a:defRPr sz="2400" kern="1200">
+                <a:solidFill>
+                  <a:schemeClr val="tx1"/>
+                </a:solidFill>
+                <a:latin typeface="+mn-lt"/>
+                <a:ea typeface="+mn-ea"/>
+                <a:cs typeface="+mn-cs"/>
+              </a:defRPr>
+            </a:lvl2pPr>
+            <a:lvl3pPr marL="1143000" indent="-228600" algn="l" defTabSz="914400" rtl="0" eaLnBrk="1" latinLnBrk="0" hangingPunct="1">
+              <a:lnSpc>
+                <a:spcPct val="90000"/>
+              </a:lnSpc>
+              <a:spcBef>
+                <a:spcPts val="500"/>
+              </a:spcBef>
+              <a:buFont typeface="Arial" panose="020B0604020202020204" pitchFamily="34" charset="0"/>
+              <a:buChar char="•"/>
+              <a:defRPr sz="2000" kern="1200">
+                <a:solidFill>
+                  <a:schemeClr val="tx1"/>
+                </a:solidFill>
+                <a:latin typeface="+mn-lt"/>
+                <a:ea typeface="+mn-ea"/>
+                <a:cs typeface="+mn-cs"/>
+              </a:defRPr>
+            </a:lvl3pPr>
+            <a:lvl4pPr marL="1600200" indent="-228600" algn="l" defTabSz="914400" rtl="0" eaLnBrk="1" latinLnBrk="0" hangingPunct="1">
+              <a:lnSpc>
+                <a:spcPct val="90000"/>
+              </a:lnSpc>
+              <a:spcBef>
+                <a:spcPts val="500"/>
+              </a:spcBef>
+              <a:buFont typeface="Arial" panose="020B0604020202020204" pitchFamily="34" charset="0"/>
+              <a:buChar char="•"/>
+              <a:defRPr sz="1800" kern="1200">
+                <a:solidFill>
+                  <a:schemeClr val="tx1"/>
+                </a:solidFill>
+                <a:latin typeface="+mn-lt"/>
+                <a:ea typeface="+mn-ea"/>
+                <a:cs typeface="+mn-cs"/>
+              </a:defRPr>
+            </a:lvl4pPr>
+            <a:lvl5pPr marL="2057400" indent="-228600" algn="l" defTabSz="914400" rtl="0" eaLnBrk="1" latinLnBrk="0" hangingPunct="1">
+              <a:lnSpc>
+                <a:spcPct val="90000"/>
+              </a:lnSpc>
+              <a:spcBef>
+                <a:spcPts val="500"/>
+              </a:spcBef>
+              <a:buFont typeface="Arial" panose="020B0604020202020204" pitchFamily="34" charset="0"/>
+              <a:buChar char="•"/>
+              <a:defRPr sz="1800" kern="1200">
+                <a:solidFill>
+                  <a:schemeClr val="tx1"/>
+                </a:solidFill>
+                <a:latin typeface="+mn-lt"/>
+                <a:ea typeface="+mn-ea"/>
+                <a:cs typeface="+mn-cs"/>
+              </a:defRPr>
+            </a:lvl5pPr>
+            <a:lvl6pPr marL="2514600" indent="-228600" algn="l" defTabSz="914400" rtl="0" eaLnBrk="1" latinLnBrk="0" hangingPunct="1">
+              <a:lnSpc>
+                <a:spcPct val="90000"/>
+              </a:lnSpc>
+              <a:spcBef>
+                <a:spcPts val="500"/>
+              </a:spcBef>
+              <a:buFont typeface="Arial" panose="020B0604020202020204" pitchFamily="34" charset="0"/>
+              <a:buChar char="•"/>
+              <a:defRPr sz="1800" kern="1200">
+                <a:solidFill>
+                  <a:schemeClr val="tx1"/>
+                </a:solidFill>
+                <a:latin typeface="+mn-lt"/>
+                <a:ea typeface="+mn-ea"/>
+                <a:cs typeface="+mn-cs"/>
+              </a:defRPr>
+            </a:lvl6pPr>
+            <a:lvl7pPr marL="2971800" indent="-228600" algn="l" defTabSz="914400" rtl="0" eaLnBrk="1" latinLnBrk="0" hangingPunct="1">
+              <a:lnSpc>
+                <a:spcPct val="90000"/>
+              </a:lnSpc>
+              <a:spcBef>
+                <a:spcPts val="500"/>
+              </a:spcBef>
+              <a:buFont typeface="Arial" panose="020B0604020202020204" pitchFamily="34" charset="0"/>
+              <a:buChar char="•"/>
+              <a:defRPr sz="1800" kern="1200">
+                <a:solidFill>
+                  <a:schemeClr val="tx1"/>
+                </a:solidFill>
+                <a:latin typeface="+mn-lt"/>
+                <a:ea typeface="+mn-ea"/>
+                <a:cs typeface="+mn-cs"/>
+              </a:defRPr>
+            </a:lvl7pPr>
+            <a:lvl8pPr marL="3429000" indent="-228600" algn="l" defTabSz="914400" rtl="0" eaLnBrk="1" latinLnBrk="0" hangingPunct="1">
+              <a:lnSpc>
+                <a:spcPct val="90000"/>
+              </a:lnSpc>
+              <a:spcBef>
+                <a:spcPts val="500"/>
+              </a:spcBef>
+              <a:buFont typeface="Arial" panose="020B0604020202020204" pitchFamily="34" charset="0"/>
+              <a:buChar char="•"/>
+              <a:defRPr sz="1800" kern="1200">
+                <a:solidFill>
+                  <a:schemeClr val="tx1"/>
+                </a:solidFill>
+                <a:latin typeface="+mn-lt"/>
+                <a:ea typeface="+mn-ea"/>
+                <a:cs typeface="+mn-cs"/>
+              </a:defRPr>
+            </a:lvl8pPr>
+            <a:lvl9pPr marL="3886200" indent="-228600" algn="l" defTabSz="914400" rtl="0" eaLnBrk="1" latinLnBrk="0" hangingPunct="1">
+              <a:lnSpc>
+                <a:spcPct val="90000"/>
+              </a:lnSpc>
+              <a:spcBef>
+                <a:spcPts val="500"/>
+              </a:spcBef>
+              <a:buFont typeface="Arial" panose="020B0604020202020204" pitchFamily="34" charset="0"/>
+              <a:buChar char="•"/>
+              <a:defRPr sz="1800" kern="1200">
+                <a:solidFill>
+                  <a:schemeClr val="tx1"/>
+                </a:solidFill>
+                <a:latin typeface="+mn-lt"/>
+                <a:ea typeface="+mn-ea"/>
+                <a:cs typeface="+mn-cs"/>
+              </a:defRPr>
+            </a:lvl9pPr>
+          </a:lstStyle>
+          <a:p>
+            <a:pPr marL="447675" indent="-447675"/>
+            <a:r>
+              <a:rPr lang="en-IE" sz="3300" dirty="0" smtClean="0"/>
+              <a:t>As the result, there is 8 JSON files that were generated from each tester, meaning that there will be 8*4 comparisons, as there are 4 testers that output their results.</a:t>
+            </a:r>
+            <a:endParaRPr lang="en-IE" sz="600" dirty="0"/>
+          </a:p>
+          <a:p>
+            <a:pPr marL="447675" indent="-447675"/>
+            <a:r>
+              <a:rPr lang="en-IE" sz="3400" dirty="0" smtClean="0"/>
+              <a:t>An easy way to test the testers in this case is just to look at the results and their output. Some testers provide 2000 lines of JSON data while others only give around 1 – 30 depending on the parameters passed.  </a:t>
+            </a:r>
+          </a:p>
+          <a:p>
+            <a:pPr marL="447675" indent="-447675"/>
+            <a:r>
+              <a:rPr lang="en-IE" sz="3400" dirty="0" smtClean="0"/>
+              <a:t>Next</a:t>
+            </a:r>
+            <a:r>
+              <a:rPr lang="en-GB" sz="3400" dirty="0"/>
+              <a:t> </a:t>
+            </a:r>
+            <a:r>
+              <a:rPr lang="en-GB" sz="3400" dirty="0" smtClean="0"/>
+              <a:t>obvious</a:t>
+            </a:r>
+            <a:r>
+              <a:rPr lang="en-IE" sz="3400" dirty="0" smtClean="0"/>
+              <a:t> step is to compare the results using FC (file compare) cmd command of 2 testers. For some of them it may not work, because the output would be “Files are too different”. This step will work when the smaller files will be compared.  </a:t>
+            </a:r>
+            <a:endParaRPr lang="en-IE" sz="3400" dirty="0"/>
+          </a:p>
+        </p:txBody>
+      </p:sp>
     </p:spTree>
     <p:extLst>
       <p:ext uri="{BB962C8B-B14F-4D97-AF65-F5344CB8AC3E}">
-        <p14:creationId xmlns:p14="http://schemas.microsoft.com/office/powerpoint/2010/main" val="7220622"/>
+        <p14:creationId xmlns:p14="http://schemas.microsoft.com/office/powerpoint/2010/main" val="2359408964"/>
       </p:ext>
     </p:extLst>
   </p:cSld>
   <p:clrMapOvr>
     <a:masterClrMapping/>
   </p:clrMapOvr>
-  <mc:AlternateContent xmlns:mc="http://schemas.openxmlformats.org/markup-compatibility/2006">
-    <mc:Choice xmlns:p15="http://schemas.microsoft.com/office/powerpoint/2012/main" Requires="p15">
+  <mc:AlternateContent xmlns:mc="http://schemas.openxmlformats.org/markup-compatibility/2006" xmlns:p15="http://schemas.microsoft.com/office/powerpoint/2012/main">
+    <mc:Choice Requires="p15">
       <p:transition xmlns:p14="http://schemas.microsoft.com/office/powerpoint/2010/main" spd="slow" p14:dur="1250">
         <p15:prstTrans prst="peelOff"/>
       </p:transition>
     </mc:Choice>
-    <mc:Fallback>
+    <mc:Fallback xmlns="">
       <p:transition spd="slow">
         <p:fade/>
       </p:transition>
@@ -6180,14 +6184,20 @@
       </p:grpSpPr>
       <p:sp>
         <p:nvSpPr>
-          <p:cNvPr id="4" name="TextBox 3"/>
+          <p:cNvPr id="8" name="TextBox 7">
+            <a:extLst>
+              <a:ext uri="{FF2B5EF4-FFF2-40B4-BE49-F238E27FC236}">
+                <a16:creationId xmlns="" xmlns:a16="http://schemas.microsoft.com/office/drawing/2014/main" id="{F55347A7-711F-49E4-8D52-34FAF30265A3}"/>
+              </a:ext>
+            </a:extLst>
+          </p:cNvPr>
           <p:cNvSpPr txBox="1"/>
           <p:nvPr/>
         </p:nvSpPr>
         <p:spPr>
           <a:xfrm>
-            <a:off x="1260034" y="968188"/>
-            <a:ext cx="1862754" cy="769441"/>
+            <a:off x="4363603" y="803686"/>
+            <a:ext cx="4651017" cy="584775"/>
           </a:xfrm>
           <a:prstGeom prst="rect">
             <a:avLst/>
@@ -6201,251 +6211,57 @@
           <a:lstStyle/>
           <a:p>
             <a:r>
-              <a:rPr lang="en-IE" sz="4400" b="1" dirty="0"/>
-              <a:t>Results</a:t>
-            </a:r>
-          </a:p>
-        </p:txBody>
-      </p:sp>
-      <p:sp>
-        <p:nvSpPr>
-          <p:cNvPr id="5" name="Subtitle 2"/>
-          <p:cNvSpPr txBox="1">
-            <a:spLocks/>
-          </p:cNvSpPr>
+              <a:rPr lang="en-IE" sz="3200" b="1" dirty="0"/>
+              <a:t>Results </a:t>
+            </a:r>
+            <a:r>
+              <a:rPr lang="en-IE" sz="3200" b="1" dirty="0" smtClean="0"/>
+              <a:t>–SSLLABS Example</a:t>
+            </a:r>
+            <a:endParaRPr lang="en-IE" sz="3200" b="1" dirty="0"/>
+          </a:p>
+        </p:txBody>
+      </p:sp>
+      <p:pic>
+        <p:nvPicPr>
+          <p:cNvPr id="2" name="Picture 1"/>
+          <p:cNvPicPr>
+            <a:picLocks noChangeAspect="1"/>
+          </p:cNvPicPr>
           <p:nvPr/>
-        </p:nvSpPr>
-        <p:spPr>
-          <a:xfrm>
-            <a:off x="1182601" y="2079923"/>
-            <a:ext cx="9789512" cy="3896375"/>
+        </p:nvPicPr>
+        <p:blipFill rotWithShape="1">
+          <a:blip r:embed="rId2"/>
+          <a:srcRect l="1210" t="717" r="1210" b="7282"/>
+          <a:stretch/>
+        </p:blipFill>
+        <p:spPr>
+          <a:xfrm>
+            <a:off x="428624" y="1388461"/>
+            <a:ext cx="11001375" cy="4705135"/>
           </a:xfrm>
           <a:prstGeom prst="rect">
             <a:avLst/>
           </a:prstGeom>
         </p:spPr>
-        <p:txBody>
-          <a:bodyPr vert="horz" lIns="91440" tIns="45720" rIns="91440" bIns="45720" rtlCol="0">
-            <a:normAutofit fontScale="77500" lnSpcReduction="20000"/>
-          </a:bodyPr>
-          <a:lstStyle>
-            <a:lvl1pPr marL="228600" indent="-228600" algn="l" defTabSz="914400" rtl="0" eaLnBrk="1" latinLnBrk="0" hangingPunct="1">
-              <a:lnSpc>
-                <a:spcPct val="90000"/>
-              </a:lnSpc>
-              <a:spcBef>
-                <a:spcPts val="1000"/>
-              </a:spcBef>
-              <a:buFont typeface="Arial" panose="020B0604020202020204" pitchFamily="34" charset="0"/>
-              <a:buChar char="•"/>
-              <a:defRPr sz="2800" kern="1200">
-                <a:solidFill>
-                  <a:schemeClr val="tx1"/>
-                </a:solidFill>
-                <a:latin typeface="+mn-lt"/>
-                <a:ea typeface="+mn-ea"/>
-                <a:cs typeface="+mn-cs"/>
-              </a:defRPr>
-            </a:lvl1pPr>
-            <a:lvl2pPr marL="685800" indent="-228600" algn="l" defTabSz="914400" rtl="0" eaLnBrk="1" latinLnBrk="0" hangingPunct="1">
-              <a:lnSpc>
-                <a:spcPct val="90000"/>
-              </a:lnSpc>
-              <a:spcBef>
-                <a:spcPts val="500"/>
-              </a:spcBef>
-              <a:buFont typeface="Arial" panose="020B0604020202020204" pitchFamily="34" charset="0"/>
-              <a:buChar char="•"/>
-              <a:defRPr sz="2400" kern="1200">
-                <a:solidFill>
-                  <a:schemeClr val="tx1"/>
-                </a:solidFill>
-                <a:latin typeface="+mn-lt"/>
-                <a:ea typeface="+mn-ea"/>
-                <a:cs typeface="+mn-cs"/>
-              </a:defRPr>
-            </a:lvl2pPr>
-            <a:lvl3pPr marL="1143000" indent="-228600" algn="l" defTabSz="914400" rtl="0" eaLnBrk="1" latinLnBrk="0" hangingPunct="1">
-              <a:lnSpc>
-                <a:spcPct val="90000"/>
-              </a:lnSpc>
-              <a:spcBef>
-                <a:spcPts val="500"/>
-              </a:spcBef>
-              <a:buFont typeface="Arial" panose="020B0604020202020204" pitchFamily="34" charset="0"/>
-              <a:buChar char="•"/>
-              <a:defRPr sz="2000" kern="1200">
-                <a:solidFill>
-                  <a:schemeClr val="tx1"/>
-                </a:solidFill>
-                <a:latin typeface="+mn-lt"/>
-                <a:ea typeface="+mn-ea"/>
-                <a:cs typeface="+mn-cs"/>
-              </a:defRPr>
-            </a:lvl3pPr>
-            <a:lvl4pPr marL="1600200" indent="-228600" algn="l" defTabSz="914400" rtl="0" eaLnBrk="1" latinLnBrk="0" hangingPunct="1">
-              <a:lnSpc>
-                <a:spcPct val="90000"/>
-              </a:lnSpc>
-              <a:spcBef>
-                <a:spcPts val="500"/>
-              </a:spcBef>
-              <a:buFont typeface="Arial" panose="020B0604020202020204" pitchFamily="34" charset="0"/>
-              <a:buChar char="•"/>
-              <a:defRPr sz="1800" kern="1200">
-                <a:solidFill>
-                  <a:schemeClr val="tx1"/>
-                </a:solidFill>
-                <a:latin typeface="+mn-lt"/>
-                <a:ea typeface="+mn-ea"/>
-                <a:cs typeface="+mn-cs"/>
-              </a:defRPr>
-            </a:lvl4pPr>
-            <a:lvl5pPr marL="2057400" indent="-228600" algn="l" defTabSz="914400" rtl="0" eaLnBrk="1" latinLnBrk="0" hangingPunct="1">
-              <a:lnSpc>
-                <a:spcPct val="90000"/>
-              </a:lnSpc>
-              <a:spcBef>
-                <a:spcPts val="500"/>
-              </a:spcBef>
-              <a:buFont typeface="Arial" panose="020B0604020202020204" pitchFamily="34" charset="0"/>
-              <a:buChar char="•"/>
-              <a:defRPr sz="1800" kern="1200">
-                <a:solidFill>
-                  <a:schemeClr val="tx1"/>
-                </a:solidFill>
-                <a:latin typeface="+mn-lt"/>
-                <a:ea typeface="+mn-ea"/>
-                <a:cs typeface="+mn-cs"/>
-              </a:defRPr>
-            </a:lvl5pPr>
-            <a:lvl6pPr marL="2514600" indent="-228600" algn="l" defTabSz="914400" rtl="0" eaLnBrk="1" latinLnBrk="0" hangingPunct="1">
-              <a:lnSpc>
-                <a:spcPct val="90000"/>
-              </a:lnSpc>
-              <a:spcBef>
-                <a:spcPts val="500"/>
-              </a:spcBef>
-              <a:buFont typeface="Arial" panose="020B0604020202020204" pitchFamily="34" charset="0"/>
-              <a:buChar char="•"/>
-              <a:defRPr sz="1800" kern="1200">
-                <a:solidFill>
-                  <a:schemeClr val="tx1"/>
-                </a:solidFill>
-                <a:latin typeface="+mn-lt"/>
-                <a:ea typeface="+mn-ea"/>
-                <a:cs typeface="+mn-cs"/>
-              </a:defRPr>
-            </a:lvl6pPr>
-            <a:lvl7pPr marL="2971800" indent="-228600" algn="l" defTabSz="914400" rtl="0" eaLnBrk="1" latinLnBrk="0" hangingPunct="1">
-              <a:lnSpc>
-                <a:spcPct val="90000"/>
-              </a:lnSpc>
-              <a:spcBef>
-                <a:spcPts val="500"/>
-              </a:spcBef>
-              <a:buFont typeface="Arial" panose="020B0604020202020204" pitchFamily="34" charset="0"/>
-              <a:buChar char="•"/>
-              <a:defRPr sz="1800" kern="1200">
-                <a:solidFill>
-                  <a:schemeClr val="tx1"/>
-                </a:solidFill>
-                <a:latin typeface="+mn-lt"/>
-                <a:ea typeface="+mn-ea"/>
-                <a:cs typeface="+mn-cs"/>
-              </a:defRPr>
-            </a:lvl7pPr>
-            <a:lvl8pPr marL="3429000" indent="-228600" algn="l" defTabSz="914400" rtl="0" eaLnBrk="1" latinLnBrk="0" hangingPunct="1">
-              <a:lnSpc>
-                <a:spcPct val="90000"/>
-              </a:lnSpc>
-              <a:spcBef>
-                <a:spcPts val="500"/>
-              </a:spcBef>
-              <a:buFont typeface="Arial" panose="020B0604020202020204" pitchFamily="34" charset="0"/>
-              <a:buChar char="•"/>
-              <a:defRPr sz="1800" kern="1200">
-                <a:solidFill>
-                  <a:schemeClr val="tx1"/>
-                </a:solidFill>
-                <a:latin typeface="+mn-lt"/>
-                <a:ea typeface="+mn-ea"/>
-                <a:cs typeface="+mn-cs"/>
-              </a:defRPr>
-            </a:lvl8pPr>
-            <a:lvl9pPr marL="3886200" indent="-228600" algn="l" defTabSz="914400" rtl="0" eaLnBrk="1" latinLnBrk="0" hangingPunct="1">
-              <a:lnSpc>
-                <a:spcPct val="90000"/>
-              </a:lnSpc>
-              <a:spcBef>
-                <a:spcPts val="500"/>
-              </a:spcBef>
-              <a:buFont typeface="Arial" panose="020B0604020202020204" pitchFamily="34" charset="0"/>
-              <a:buChar char="•"/>
-              <a:defRPr sz="1800" kern="1200">
-                <a:solidFill>
-                  <a:schemeClr val="tx1"/>
-                </a:solidFill>
-                <a:latin typeface="+mn-lt"/>
-                <a:ea typeface="+mn-ea"/>
-                <a:cs typeface="+mn-cs"/>
-              </a:defRPr>
-            </a:lvl9pPr>
-          </a:lstStyle>
-          <a:p>
-            <a:pPr marL="447675" indent="-447675"/>
-            <a:r>
-              <a:rPr lang="en-IE" sz="3300" dirty="0" smtClean="0"/>
-              <a:t>As the result, there is 8 JSON files that were generated from each tester, meaning that there will be 8*4 comparisons, as there are 4 testers that output their results.</a:t>
-            </a:r>
-            <a:endParaRPr lang="en-IE" sz="600" dirty="0"/>
-          </a:p>
-          <a:p>
-            <a:pPr marL="447675" indent="-447675"/>
-            <a:r>
-              <a:rPr lang="en-IE" sz="3400" dirty="0" smtClean="0"/>
-              <a:t>An easy way to test the testers in this case is just to look at the results and their output. Some testers provide 2000 lines of JSON data while others only give around 1 – 30 depending on the parameters passed.  </a:t>
-            </a:r>
-          </a:p>
-          <a:p>
-            <a:pPr marL="447675" indent="-447675"/>
-            <a:r>
-              <a:rPr lang="en-IE" sz="3400" dirty="0" smtClean="0"/>
-              <a:t>Next</a:t>
-            </a:r>
-            <a:r>
-              <a:rPr lang="en-GB" sz="3400" dirty="0"/>
-              <a:t> </a:t>
-            </a:r>
-            <a:r>
-              <a:rPr lang="en-GB" sz="3400" dirty="0" smtClean="0"/>
-              <a:t>obvious</a:t>
-            </a:r>
-            <a:r>
-              <a:rPr lang="en-IE" sz="3400" dirty="0" smtClean="0"/>
-              <a:t> step is to compare the results using FC (file compare) cmd command of 2 testers. For some of them it may not work, because the output would be “Files are too different”. This step will work when the smaller files will be compared.  </a:t>
-            </a:r>
-            <a:endParaRPr lang="en-IE" sz="3400" dirty="0"/>
-          </a:p>
-        </p:txBody>
-      </p:sp>
+      </p:pic>
     </p:spTree>
     <p:extLst>
       <p:ext uri="{BB962C8B-B14F-4D97-AF65-F5344CB8AC3E}">
-        <p14:creationId xmlns:p14="http://schemas.microsoft.com/office/powerpoint/2010/main" val="2359408964"/>
+        <p14:creationId xmlns:p14="http://schemas.microsoft.com/office/powerpoint/2010/main" val="1107338757"/>
       </p:ext>
     </p:extLst>
   </p:cSld>
   <p:clrMapOvr>
     <a:masterClrMapping/>
   </p:clrMapOvr>
-  <mc:AlternateContent xmlns:mc="http://schemas.openxmlformats.org/markup-compatibility/2006">
-    <mc:Choice xmlns:p15="http://schemas.microsoft.com/office/powerpoint/2012/main" Requires="p15">
+  <mc:AlternateContent xmlns:mc="http://schemas.openxmlformats.org/markup-compatibility/2006" xmlns:p15="http://schemas.microsoft.com/office/powerpoint/2012/main">
+    <mc:Choice Requires="p15">
       <p:transition xmlns:p14="http://schemas.microsoft.com/office/powerpoint/2010/main" spd="slow" p14:dur="1250">
         <p15:prstTrans prst="peelOff"/>
       </p:transition>
     </mc:Choice>
-    <mc:Fallback>
+    <mc:Fallback xmlns="">
       <p:transition spd="slow">
         <p:fade/>
       </p:transition>
@@ -6480,10 +6296,64 @@
       </p:grpSpPr>
       <p:sp>
         <p:nvSpPr>
+          <p:cNvPr id="3" name="Rectangle 2">
+            <a:extLst>
+              <a:ext uri="{FF2B5EF4-FFF2-40B4-BE49-F238E27FC236}">
+                <a16:creationId xmlns="" xmlns:a16="http://schemas.microsoft.com/office/drawing/2014/main" id="{B3D64DD0-92EA-4729-ADCB-81E9C1DF7AE7}"/>
+              </a:ext>
+            </a:extLst>
+          </p:cNvPr>
+          <p:cNvSpPr/>
+          <p:nvPr/>
+        </p:nvSpPr>
+        <p:spPr>
+          <a:xfrm>
+            <a:off x="794327" y="1173018"/>
+            <a:ext cx="10529455" cy="877455"/>
+          </a:xfrm>
+          <a:prstGeom prst="rect">
+            <a:avLst/>
+          </a:prstGeom>
+          <a:solidFill>
+            <a:schemeClr val="bg1"/>
+          </a:solidFill>
+          <a:ln>
+            <a:solidFill>
+              <a:schemeClr val="bg1"/>
+            </a:solidFill>
+          </a:ln>
+        </p:spPr>
+        <p:style>
+          <a:lnRef idx="2">
+            <a:schemeClr val="accent1">
+              <a:shade val="50000"/>
+            </a:schemeClr>
+          </a:lnRef>
+          <a:fillRef idx="1">
+            <a:schemeClr val="accent1"/>
+          </a:fillRef>
+          <a:effectRef idx="0">
+            <a:schemeClr val="accent1"/>
+          </a:effectRef>
+          <a:fontRef idx="minor">
+            <a:schemeClr val="lt1"/>
+          </a:fontRef>
+        </p:style>
+        <p:txBody>
+          <a:bodyPr rtlCol="0" anchor="ctr"/>
+          <a:lstStyle/>
+          <a:p>
+            <a:pPr algn="ctr"/>
+            <a:endParaRPr lang="en-IE" dirty="0"/>
+          </a:p>
+        </p:txBody>
+      </p:sp>
+      <p:sp>
+        <p:nvSpPr>
           <p:cNvPr id="8" name="TextBox 7">
             <a:extLst>
               <a:ext uri="{FF2B5EF4-FFF2-40B4-BE49-F238E27FC236}">
-                <a16:creationId xmlns:a16="http://schemas.microsoft.com/office/drawing/2014/main" xmlns="" id="{F55347A7-711F-49E4-8D52-34FAF30265A3}"/>
+                <a16:creationId xmlns="" xmlns:a16="http://schemas.microsoft.com/office/drawing/2014/main" id="{F55347A7-711F-49E4-8D52-34FAF30265A3}"/>
               </a:ext>
             </a:extLst>
           </p:cNvPr>
@@ -6493,7 +6363,7 @@
         <p:spPr>
           <a:xfrm>
             <a:off x="4363603" y="803686"/>
-            <a:ext cx="4651017" cy="584775"/>
+            <a:ext cx="3837461" cy="584775"/>
           </a:xfrm>
           <a:prstGeom prst="rect">
             <a:avLst/>
@@ -6512,7 +6382,7 @@
             </a:r>
             <a:r>
               <a:rPr lang="en-IE" sz="3200" b="1" dirty="0" smtClean="0"/>
-              <a:t>–SSLLABS Example</a:t>
+              <a:t>- Privacyscore</a:t>
             </a:r>
             <a:endParaRPr lang="en-IE" sz="3200" b="1" dirty="0"/>
           </a:p>
@@ -6520,7 +6390,7 @@
       </p:sp>
       <p:pic>
         <p:nvPicPr>
-          <p:cNvPr id="2" name="Picture 1"/>
+          <p:cNvPr id="4" name="Picture 3"/>
           <p:cNvPicPr>
             <a:picLocks noChangeAspect="1"/>
           </p:cNvPicPr>
@@ -6528,36 +6398,125 @@
         </p:nvPicPr>
         <p:blipFill rotWithShape="1">
           <a:blip r:embed="rId2"/>
-          <a:srcRect l="1210" t="717" r="1210" b="7282"/>
+          <a:srcRect t="-695" b="82500"/>
           <a:stretch/>
         </p:blipFill>
         <p:spPr>
           <a:xfrm>
-            <a:off x="428624" y="1388461"/>
-            <a:ext cx="11001375" cy="4705135"/>
+            <a:off x="0" y="1388461"/>
+            <a:ext cx="12192000" cy="1247775"/>
           </a:xfrm>
           <a:prstGeom prst="rect">
             <a:avLst/>
           </a:prstGeom>
         </p:spPr>
       </p:pic>
+      <p:cxnSp>
+        <p:nvCxnSpPr>
+          <p:cNvPr id="7" name="Elbow Connector 6"/>
+          <p:cNvCxnSpPr/>
+          <p:nvPr/>
+        </p:nvCxnSpPr>
+        <p:spPr>
+          <a:xfrm rot="16200000" flipV="1">
+            <a:off x="328613" y="2071688"/>
+            <a:ext cx="2238375" cy="1905000"/>
+          </a:xfrm>
+          <a:prstGeom prst="bentConnector3">
+            <a:avLst/>
+          </a:prstGeom>
+        </p:spPr>
+        <p:style>
+          <a:lnRef idx="1">
+            <a:schemeClr val="accent1"/>
+          </a:lnRef>
+          <a:fillRef idx="0">
+            <a:schemeClr val="accent1"/>
+          </a:fillRef>
+          <a:effectRef idx="0">
+            <a:schemeClr val="accent1"/>
+          </a:effectRef>
+          <a:fontRef idx="minor">
+            <a:schemeClr val="tx1"/>
+          </a:fontRef>
+        </p:style>
+      </p:cxnSp>
+      <p:sp>
+        <p:nvSpPr>
+          <p:cNvPr id="15" name="Rectangle 14"/>
+          <p:cNvSpPr/>
+          <p:nvPr/>
+        </p:nvSpPr>
+        <p:spPr>
+          <a:xfrm>
+            <a:off x="1285876" y="4143376"/>
+            <a:ext cx="2228850" cy="1209674"/>
+          </a:xfrm>
+          <a:prstGeom prst="rect">
+            <a:avLst/>
+          </a:prstGeom>
+        </p:spPr>
+        <p:style>
+          <a:lnRef idx="2">
+            <a:schemeClr val="accent1"/>
+          </a:lnRef>
+          <a:fillRef idx="1">
+            <a:schemeClr val="lt1"/>
+          </a:fillRef>
+          <a:effectRef idx="0">
+            <a:schemeClr val="accent1"/>
+          </a:effectRef>
+          <a:fontRef idx="minor">
+            <a:schemeClr val="dk1"/>
+          </a:fontRef>
+        </p:style>
+        <p:txBody>
+          <a:bodyPr rtlCol="0" anchor="ctr"/>
+          <a:lstStyle/>
+          <a:p>
+            <a:pPr algn="ctr"/>
+            <a:r>
+              <a:rPr lang="en-GB" dirty="0" smtClean="0"/>
+              <a:t>A Simple output of the end score </a:t>
+            </a:r>
+            <a:r>
+              <a:rPr lang="en-GB" dirty="0" smtClean="0">
+                <a:sym typeface="Wingdings" panose="05000000000000000000" pitchFamily="2" charset="2"/>
+              </a:rPr>
+              <a:t></a:t>
+            </a:r>
+            <a:br>
+              <a:rPr lang="en-GB" dirty="0" smtClean="0">
+                <a:sym typeface="Wingdings" panose="05000000000000000000" pitchFamily="2" charset="2"/>
+              </a:rPr>
+            </a:br>
+            <a:r>
+              <a:rPr lang="en-GB" dirty="0" smtClean="0">
+                <a:sym typeface="Wingdings" panose="05000000000000000000" pitchFamily="2" charset="2"/>
+              </a:rPr>
+              <a:t>Needs to be screen scraped</a:t>
+            </a:r>
+            <a:endParaRPr lang="en-US" dirty="0"/>
+          </a:p>
+        </p:txBody>
+      </p:sp>
     </p:spTree>
     <p:extLst>
       <p:ext uri="{BB962C8B-B14F-4D97-AF65-F5344CB8AC3E}">
-        <p14:creationId xmlns:p14="http://schemas.microsoft.com/office/powerpoint/2010/main" val="1107338757"/>
+        <p14:creationId xmlns:p14="http://schemas.microsoft.com/office/powerpoint/2010/main" val="2974332036"/>
       </p:ext>
     </p:extLst>
   </p:cSld>
   <p:clrMapOvr>
     <a:masterClrMapping/>
   </p:clrMapOvr>
-  <mc:AlternateContent xmlns:mc="http://schemas.openxmlformats.org/markup-compatibility/2006">
-    <mc:Choice xmlns:p15="http://schemas.microsoft.com/office/powerpoint/2012/main" Requires="p15">
+  <mc:AlternateContent xmlns:mc="http://schemas.openxmlformats.org/markup-compatibility/2006" xmlns:p15="http://schemas.microsoft.com/office/powerpoint/2012/main">
+    <mc:Choice Requires="p15">
       <p:transition xmlns:p14="http://schemas.microsoft.com/office/powerpoint/2010/main" spd="slow" p14:dur="1250">
         <p15:prstTrans prst="peelOff"/>
       </p:transition>
     </mc:Choice>
-    <mc:Fallback>
+    <mc:Fallback xmlns="">
       <p:transition spd="slow">
         <p:fade/>
       </p:transition>
@@ -6595,7 +6554,7 @@
           <p:cNvPr id="3" name="Rectangle 2">
             <a:extLst>
               <a:ext uri="{FF2B5EF4-FFF2-40B4-BE49-F238E27FC236}">
-                <a16:creationId xmlns:a16="http://schemas.microsoft.com/office/drawing/2014/main" xmlns="" id="{B3D64DD0-92EA-4729-ADCB-81E9C1DF7AE7}"/>
+                <a16:creationId xmlns="" xmlns:a16="http://schemas.microsoft.com/office/drawing/2014/main" id="{B3D64DD0-92EA-4729-ADCB-81E9C1DF7AE7}"/>
               </a:ext>
             </a:extLst>
           </p:cNvPr>
@@ -6649,7 +6608,7 @@
           <p:cNvPr id="8" name="TextBox 7">
             <a:extLst>
               <a:ext uri="{FF2B5EF4-FFF2-40B4-BE49-F238E27FC236}">
-                <a16:creationId xmlns:a16="http://schemas.microsoft.com/office/drawing/2014/main" xmlns="" id="{F55347A7-711F-49E4-8D52-34FAF30265A3}"/>
+                <a16:creationId xmlns="" xmlns:a16="http://schemas.microsoft.com/office/drawing/2014/main" id="{F55347A7-711F-49E4-8D52-34FAF30265A3}"/>
               </a:ext>
             </a:extLst>
           </p:cNvPr>
@@ -6659,7 +6618,7 @@
         <p:spPr>
           <a:xfrm>
             <a:off x="4363603" y="803686"/>
-            <a:ext cx="3837461" cy="584775"/>
+            <a:ext cx="5076774" cy="584775"/>
           </a:xfrm>
           <a:prstGeom prst="rect">
             <a:avLst/>
@@ -6678,7 +6637,7 @@
             </a:r>
             <a:r>
               <a:rPr lang="en-IE" sz="3200" b="1" dirty="0" smtClean="0"/>
-              <a:t>- Privacyscore</a:t>
+              <a:t>– HTTPS Observatory</a:t>
             </a:r>
             <a:endParaRPr lang="en-IE" sz="3200" b="1" dirty="0"/>
           </a:p>
@@ -6694,13 +6653,13 @@
         </p:nvPicPr>
         <p:blipFill rotWithShape="1">
           <a:blip r:embed="rId2"/>
-          <a:srcRect t="-695" b="82500"/>
+          <a:srcRect l="-156" t="-139" r="156" b="76528"/>
           <a:stretch/>
         </p:blipFill>
         <p:spPr>
           <a:xfrm>
             <a:off x="0" y="1388461"/>
-            <a:ext cx="12192000" cy="1247775"/>
+            <a:ext cx="12192000" cy="1619250"/>
           </a:xfrm>
           <a:prstGeom prst="rect">
             <a:avLst/>
@@ -6709,14 +6668,14 @@
       </p:pic>
       <p:cxnSp>
         <p:nvCxnSpPr>
-          <p:cNvPr id="7" name="Elbow Connector 6"/>
+          <p:cNvPr id="17" name="Elbow Connector 16"/>
           <p:cNvCxnSpPr/>
           <p:nvPr/>
         </p:nvCxnSpPr>
         <p:spPr>
-          <a:xfrm rot="16200000" flipV="1">
-            <a:off x="328613" y="2071688"/>
-            <a:ext cx="2238375" cy="1905000"/>
+          <a:xfrm rot="16200000" flipH="1">
+            <a:off x="284656" y="2484930"/>
+            <a:ext cx="1773839" cy="1200150"/>
           </a:xfrm>
           <a:prstGeom prst="bentConnector3">
             <a:avLst/>
@@ -6739,14 +6698,14 @@
       </p:cxnSp>
       <p:sp>
         <p:nvSpPr>
-          <p:cNvPr id="15" name="Rectangle 14"/>
+          <p:cNvPr id="18" name="Rectangle 17"/>
           <p:cNvSpPr/>
           <p:nvPr/>
         </p:nvSpPr>
         <p:spPr>
           <a:xfrm>
-            <a:off x="1285876" y="4143376"/>
-            <a:ext cx="2228850" cy="1209674"/>
+            <a:off x="923925" y="3971924"/>
+            <a:ext cx="1971675" cy="1990725"/>
           </a:xfrm>
           <a:prstGeom prst="rect">
             <a:avLst/>
@@ -6773,24 +6732,7 @@
             <a:pPr algn="ctr"/>
             <a:r>
               <a:rPr lang="en-GB" dirty="0" smtClean="0"/>
-              <a:t>A Simple output of the end score </a:t>
-            </a:r>
-            <a:r>
-              <a:rPr lang="en-GB" dirty="0" smtClean="0">
-                <a:sym typeface="Wingdings" panose="05000000000000000000" pitchFamily="2" charset="2"/>
-              </a:rPr>
-              <a:t></a:t>
-            </a:r>
-            <a:br>
-              <a:rPr lang="en-GB" dirty="0" smtClean="0">
-                <a:sym typeface="Wingdings" panose="05000000000000000000" pitchFamily="2" charset="2"/>
-              </a:rPr>
-            </a:br>
-            <a:r>
-              <a:rPr lang="en-GB" dirty="0" smtClean="0">
-                <a:sym typeface="Wingdings" panose="05000000000000000000" pitchFamily="2" charset="2"/>
-              </a:rPr>
-              <a:t>Needs to be screen scraped</a:t>
+              <a:t>Only 15 lines, and that also includes “0” scores, this can be seen in the script where I add “-z” to the test site name</a:t>
             </a:r>
             <a:endParaRPr lang="en-US" dirty="0"/>
           </a:p>
@@ -6799,20 +6741,20 @@
     </p:spTree>
     <p:extLst>
       <p:ext uri="{BB962C8B-B14F-4D97-AF65-F5344CB8AC3E}">
-        <p14:creationId xmlns:p14="http://schemas.microsoft.com/office/powerpoint/2010/main" val="2974332036"/>
+        <p14:creationId xmlns:p14="http://schemas.microsoft.com/office/powerpoint/2010/main" val="1919720623"/>
       </p:ext>
     </p:extLst>
   </p:cSld>
   <p:clrMapOvr>
     <a:masterClrMapping/>
   </p:clrMapOvr>
-  <mc:AlternateContent xmlns:mc="http://schemas.openxmlformats.org/markup-compatibility/2006">
-    <mc:Choice xmlns:p15="http://schemas.microsoft.com/office/powerpoint/2012/main" Requires="p15">
+  <mc:AlternateContent xmlns:mc="http://schemas.openxmlformats.org/markup-compatibility/2006" xmlns:p15="http://schemas.microsoft.com/office/powerpoint/2012/main">
+    <mc:Choice Requires="p15">
       <p:transition xmlns:p14="http://schemas.microsoft.com/office/powerpoint/2010/main" spd="slow" p14:dur="1250">
         <p15:prstTrans prst="peelOff"/>
       </p:transition>
     </mc:Choice>
-    <mc:Fallback>
+    <mc:Fallback xmlns="">
       <p:transition spd="slow">
         <p:fade/>
       </p:transition>
@@ -6847,74 +6789,14 @@
       </p:grpSpPr>
       <p:sp>
         <p:nvSpPr>
-          <p:cNvPr id="3" name="Rectangle 2">
-            <a:extLst>
-              <a:ext uri="{FF2B5EF4-FFF2-40B4-BE49-F238E27FC236}">
-                <a16:creationId xmlns:a16="http://schemas.microsoft.com/office/drawing/2014/main" xmlns="" id="{B3D64DD0-92EA-4729-ADCB-81E9C1DF7AE7}"/>
-              </a:ext>
-            </a:extLst>
-          </p:cNvPr>
-          <p:cNvSpPr/>
-          <p:nvPr/>
-        </p:nvSpPr>
-        <p:spPr>
-          <a:xfrm>
-            <a:off x="794327" y="1173018"/>
-            <a:ext cx="10529455" cy="877455"/>
-          </a:xfrm>
-          <a:prstGeom prst="rect">
-            <a:avLst/>
-          </a:prstGeom>
-          <a:solidFill>
-            <a:schemeClr val="bg1"/>
-          </a:solidFill>
-          <a:ln>
-            <a:solidFill>
-              <a:schemeClr val="bg1"/>
-            </a:solidFill>
-          </a:ln>
-        </p:spPr>
-        <p:style>
-          <a:lnRef idx="2">
-            <a:schemeClr val="accent1">
-              <a:shade val="50000"/>
-            </a:schemeClr>
-          </a:lnRef>
-          <a:fillRef idx="1">
-            <a:schemeClr val="accent1"/>
-          </a:fillRef>
-          <a:effectRef idx="0">
-            <a:schemeClr val="accent1"/>
-          </a:effectRef>
-          <a:fontRef idx="minor">
-            <a:schemeClr val="lt1"/>
-          </a:fontRef>
-        </p:style>
-        <p:txBody>
-          <a:bodyPr rtlCol="0" anchor="ctr"/>
-          <a:lstStyle/>
-          <a:p>
-            <a:pPr algn="ctr"/>
-            <a:endParaRPr lang="en-IE" dirty="0"/>
-          </a:p>
-        </p:txBody>
-      </p:sp>
-      <p:sp>
-        <p:nvSpPr>
-          <p:cNvPr id="8" name="TextBox 7">
-            <a:extLst>
-              <a:ext uri="{FF2B5EF4-FFF2-40B4-BE49-F238E27FC236}">
-                <a16:creationId xmlns:a16="http://schemas.microsoft.com/office/drawing/2014/main" xmlns="" id="{F55347A7-711F-49E4-8D52-34FAF30265A3}"/>
-              </a:ext>
-            </a:extLst>
-          </p:cNvPr>
+          <p:cNvPr id="4" name="TextBox 3"/>
           <p:cNvSpPr txBox="1"/>
           <p:nvPr/>
         </p:nvSpPr>
         <p:spPr>
           <a:xfrm>
-            <a:off x="4363603" y="803686"/>
-            <a:ext cx="5076774" cy="584775"/>
+            <a:off x="1260034" y="968188"/>
+            <a:ext cx="2733441" cy="769441"/>
           </a:xfrm>
           <a:prstGeom prst="rect">
             <a:avLst/>
@@ -6928,129 +6810,267 @@
           <a:lstStyle/>
           <a:p>
             <a:r>
-              <a:rPr lang="en-IE" sz="3200" b="1" dirty="0"/>
-              <a:t>Results </a:t>
-            </a:r>
-            <a:r>
-              <a:rPr lang="en-IE" sz="3200" b="1" dirty="0" smtClean="0"/>
-              <a:t>– HTTPS Observatory</a:t>
-            </a:r>
-            <a:endParaRPr lang="en-IE" sz="3200" b="1" dirty="0"/>
-          </a:p>
-        </p:txBody>
-      </p:sp>
-      <p:pic>
-        <p:nvPicPr>
-          <p:cNvPr id="4" name="Picture 3"/>
-          <p:cNvPicPr>
-            <a:picLocks noChangeAspect="1"/>
-          </p:cNvPicPr>
+              <a:rPr lang="en-IE" sz="4400" b="1" dirty="0"/>
+              <a:t>Conclusion</a:t>
+            </a:r>
+          </a:p>
+        </p:txBody>
+      </p:sp>
+      <p:sp>
+        <p:nvSpPr>
+          <p:cNvPr id="5" name="Subtitle 2"/>
+          <p:cNvSpPr txBox="1">
+            <a:spLocks/>
+          </p:cNvSpPr>
           <p:nvPr/>
-        </p:nvPicPr>
-        <p:blipFill rotWithShape="1">
-          <a:blip r:embed="rId2"/>
-          <a:srcRect l="-156" t="-139" r="156" b="76528"/>
-          <a:stretch/>
-        </p:blipFill>
-        <p:spPr>
-          <a:xfrm>
-            <a:off x="0" y="1388461"/>
-            <a:ext cx="12192000" cy="1619250"/>
+        </p:nvSpPr>
+        <p:spPr>
+          <a:xfrm>
+            <a:off x="1249276" y="2108498"/>
+            <a:ext cx="9789512" cy="3896375"/>
           </a:xfrm>
           <a:prstGeom prst="rect">
             <a:avLst/>
           </a:prstGeom>
         </p:spPr>
-      </p:pic>
-      <p:cxnSp>
-        <p:nvCxnSpPr>
-          <p:cNvPr id="17" name="Elbow Connector 16"/>
-          <p:cNvCxnSpPr/>
-          <p:nvPr/>
-        </p:nvCxnSpPr>
-        <p:spPr>
-          <a:xfrm rot="16200000" flipH="1">
-            <a:off x="284656" y="2484930"/>
-            <a:ext cx="1773839" cy="1200150"/>
-          </a:xfrm>
-          <a:prstGeom prst="bentConnector3">
-            <a:avLst/>
-          </a:prstGeom>
-        </p:spPr>
-        <p:style>
-          <a:lnRef idx="1">
-            <a:schemeClr val="accent1"/>
-          </a:lnRef>
-          <a:fillRef idx="0">
-            <a:schemeClr val="accent1"/>
-          </a:fillRef>
-          <a:effectRef idx="0">
-            <a:schemeClr val="accent1"/>
-          </a:effectRef>
-          <a:fontRef idx="minor">
-            <a:schemeClr val="tx1"/>
-          </a:fontRef>
-        </p:style>
-      </p:cxnSp>
-      <p:sp>
-        <p:nvSpPr>
-          <p:cNvPr id="18" name="Rectangle 17"/>
-          <p:cNvSpPr/>
-          <p:nvPr/>
-        </p:nvSpPr>
-        <p:spPr>
-          <a:xfrm>
-            <a:off x="923925" y="3971924"/>
-            <a:ext cx="1971675" cy="1990725"/>
-          </a:xfrm>
-          <a:prstGeom prst="rect">
-            <a:avLst/>
-          </a:prstGeom>
-        </p:spPr>
-        <p:style>
-          <a:lnRef idx="2">
-            <a:schemeClr val="accent1"/>
-          </a:lnRef>
-          <a:fillRef idx="1">
-            <a:schemeClr val="lt1"/>
-          </a:fillRef>
-          <a:effectRef idx="0">
-            <a:schemeClr val="accent1"/>
-          </a:effectRef>
-          <a:fontRef idx="minor">
-            <a:schemeClr val="dk1"/>
-          </a:fontRef>
-        </p:style>
-        <p:txBody>
-          <a:bodyPr rtlCol="0" anchor="ctr"/>
-          <a:lstStyle/>
-          <a:p>
-            <a:pPr algn="ctr"/>
-            <a:r>
-              <a:rPr lang="en-GB" dirty="0" smtClean="0"/>
-              <a:t>Only 15 lines, and that also includes “0” scores, this can be seen in the script where I add “-z” to the test site name</a:t>
-            </a:r>
-            <a:endParaRPr lang="en-US" dirty="0"/>
+        <p:txBody>
+          <a:bodyPr vert="horz" lIns="91440" tIns="45720" rIns="91440" bIns="45720" rtlCol="0">
+            <a:normAutofit fontScale="92500" lnSpcReduction="20000"/>
+          </a:bodyPr>
+          <a:lstStyle>
+            <a:lvl1pPr marL="228600" indent="-228600" algn="l" defTabSz="914400" rtl="0" eaLnBrk="1" latinLnBrk="0" hangingPunct="1">
+              <a:lnSpc>
+                <a:spcPct val="90000"/>
+              </a:lnSpc>
+              <a:spcBef>
+                <a:spcPts val="1000"/>
+              </a:spcBef>
+              <a:buFont typeface="Arial" panose="020B0604020202020204" pitchFamily="34" charset="0"/>
+              <a:buChar char="•"/>
+              <a:defRPr sz="2800" kern="1200">
+                <a:solidFill>
+                  <a:schemeClr val="tx1"/>
+                </a:solidFill>
+                <a:latin typeface="+mn-lt"/>
+                <a:ea typeface="+mn-ea"/>
+                <a:cs typeface="+mn-cs"/>
+              </a:defRPr>
+            </a:lvl1pPr>
+            <a:lvl2pPr marL="685800" indent="-228600" algn="l" defTabSz="914400" rtl="0" eaLnBrk="1" latinLnBrk="0" hangingPunct="1">
+              <a:lnSpc>
+                <a:spcPct val="90000"/>
+              </a:lnSpc>
+              <a:spcBef>
+                <a:spcPts val="500"/>
+              </a:spcBef>
+              <a:buFont typeface="Arial" panose="020B0604020202020204" pitchFamily="34" charset="0"/>
+              <a:buChar char="•"/>
+              <a:defRPr sz="2400" kern="1200">
+                <a:solidFill>
+                  <a:schemeClr val="tx1"/>
+                </a:solidFill>
+                <a:latin typeface="+mn-lt"/>
+                <a:ea typeface="+mn-ea"/>
+                <a:cs typeface="+mn-cs"/>
+              </a:defRPr>
+            </a:lvl2pPr>
+            <a:lvl3pPr marL="1143000" indent="-228600" algn="l" defTabSz="914400" rtl="0" eaLnBrk="1" latinLnBrk="0" hangingPunct="1">
+              <a:lnSpc>
+                <a:spcPct val="90000"/>
+              </a:lnSpc>
+              <a:spcBef>
+                <a:spcPts val="500"/>
+              </a:spcBef>
+              <a:buFont typeface="Arial" panose="020B0604020202020204" pitchFamily="34" charset="0"/>
+              <a:buChar char="•"/>
+              <a:defRPr sz="2000" kern="1200">
+                <a:solidFill>
+                  <a:schemeClr val="tx1"/>
+                </a:solidFill>
+                <a:latin typeface="+mn-lt"/>
+                <a:ea typeface="+mn-ea"/>
+                <a:cs typeface="+mn-cs"/>
+              </a:defRPr>
+            </a:lvl3pPr>
+            <a:lvl4pPr marL="1600200" indent="-228600" algn="l" defTabSz="914400" rtl="0" eaLnBrk="1" latinLnBrk="0" hangingPunct="1">
+              <a:lnSpc>
+                <a:spcPct val="90000"/>
+              </a:lnSpc>
+              <a:spcBef>
+                <a:spcPts val="500"/>
+              </a:spcBef>
+              <a:buFont typeface="Arial" panose="020B0604020202020204" pitchFamily="34" charset="0"/>
+              <a:buChar char="•"/>
+              <a:defRPr sz="1800" kern="1200">
+                <a:solidFill>
+                  <a:schemeClr val="tx1"/>
+                </a:solidFill>
+                <a:latin typeface="+mn-lt"/>
+                <a:ea typeface="+mn-ea"/>
+                <a:cs typeface="+mn-cs"/>
+              </a:defRPr>
+            </a:lvl4pPr>
+            <a:lvl5pPr marL="2057400" indent="-228600" algn="l" defTabSz="914400" rtl="0" eaLnBrk="1" latinLnBrk="0" hangingPunct="1">
+              <a:lnSpc>
+                <a:spcPct val="90000"/>
+              </a:lnSpc>
+              <a:spcBef>
+                <a:spcPts val="500"/>
+              </a:spcBef>
+              <a:buFont typeface="Arial" panose="020B0604020202020204" pitchFamily="34" charset="0"/>
+              <a:buChar char="•"/>
+              <a:defRPr sz="1800" kern="1200">
+                <a:solidFill>
+                  <a:schemeClr val="tx1"/>
+                </a:solidFill>
+                <a:latin typeface="+mn-lt"/>
+                <a:ea typeface="+mn-ea"/>
+                <a:cs typeface="+mn-cs"/>
+              </a:defRPr>
+            </a:lvl5pPr>
+            <a:lvl6pPr marL="2514600" indent="-228600" algn="l" defTabSz="914400" rtl="0" eaLnBrk="1" latinLnBrk="0" hangingPunct="1">
+              <a:lnSpc>
+                <a:spcPct val="90000"/>
+              </a:lnSpc>
+              <a:spcBef>
+                <a:spcPts val="500"/>
+              </a:spcBef>
+              <a:buFont typeface="Arial" panose="020B0604020202020204" pitchFamily="34" charset="0"/>
+              <a:buChar char="•"/>
+              <a:defRPr sz="1800" kern="1200">
+                <a:solidFill>
+                  <a:schemeClr val="tx1"/>
+                </a:solidFill>
+                <a:latin typeface="+mn-lt"/>
+                <a:ea typeface="+mn-ea"/>
+                <a:cs typeface="+mn-cs"/>
+              </a:defRPr>
+            </a:lvl6pPr>
+            <a:lvl7pPr marL="2971800" indent="-228600" algn="l" defTabSz="914400" rtl="0" eaLnBrk="1" latinLnBrk="0" hangingPunct="1">
+              <a:lnSpc>
+                <a:spcPct val="90000"/>
+              </a:lnSpc>
+              <a:spcBef>
+                <a:spcPts val="500"/>
+              </a:spcBef>
+              <a:buFont typeface="Arial" panose="020B0604020202020204" pitchFamily="34" charset="0"/>
+              <a:buChar char="•"/>
+              <a:defRPr sz="1800" kern="1200">
+                <a:solidFill>
+                  <a:schemeClr val="tx1"/>
+                </a:solidFill>
+                <a:latin typeface="+mn-lt"/>
+                <a:ea typeface="+mn-ea"/>
+                <a:cs typeface="+mn-cs"/>
+              </a:defRPr>
+            </a:lvl7pPr>
+            <a:lvl8pPr marL="3429000" indent="-228600" algn="l" defTabSz="914400" rtl="0" eaLnBrk="1" latinLnBrk="0" hangingPunct="1">
+              <a:lnSpc>
+                <a:spcPct val="90000"/>
+              </a:lnSpc>
+              <a:spcBef>
+                <a:spcPts val="500"/>
+              </a:spcBef>
+              <a:buFont typeface="Arial" panose="020B0604020202020204" pitchFamily="34" charset="0"/>
+              <a:buChar char="•"/>
+              <a:defRPr sz="1800" kern="1200">
+                <a:solidFill>
+                  <a:schemeClr val="tx1"/>
+                </a:solidFill>
+                <a:latin typeface="+mn-lt"/>
+                <a:ea typeface="+mn-ea"/>
+                <a:cs typeface="+mn-cs"/>
+              </a:defRPr>
+            </a:lvl8pPr>
+            <a:lvl9pPr marL="3886200" indent="-228600" algn="l" defTabSz="914400" rtl="0" eaLnBrk="1" latinLnBrk="0" hangingPunct="1">
+              <a:lnSpc>
+                <a:spcPct val="90000"/>
+              </a:lnSpc>
+              <a:spcBef>
+                <a:spcPts val="500"/>
+              </a:spcBef>
+              <a:buFont typeface="Arial" panose="020B0604020202020204" pitchFamily="34" charset="0"/>
+              <a:buChar char="•"/>
+              <a:defRPr sz="1800" kern="1200">
+                <a:solidFill>
+                  <a:schemeClr val="tx1"/>
+                </a:solidFill>
+                <a:latin typeface="+mn-lt"/>
+                <a:ea typeface="+mn-ea"/>
+                <a:cs typeface="+mn-cs"/>
+              </a:defRPr>
+            </a:lvl9pPr>
+          </a:lstStyle>
+          <a:p>
+            <a:pPr marL="447675" indent="-447675"/>
+            <a:r>
+              <a:rPr lang="en-IE" sz="3200" dirty="0"/>
+              <a:t>Even though the final goal </a:t>
+            </a:r>
+            <a:r>
+              <a:rPr lang="en-IE" sz="3200" dirty="0" smtClean="0"/>
+              <a:t>is not yet completed, all the material (results) are generated, so there needs to be a lot of comparing done between the testers, where the key differences in operation and result output should be identified. </a:t>
+            </a:r>
+          </a:p>
+          <a:p>
+            <a:pPr marL="447675" indent="-447675"/>
+            <a:r>
+              <a:rPr lang="en-IE" sz="3200" dirty="0" smtClean="0"/>
+              <a:t>If </a:t>
+            </a:r>
+            <a:r>
+              <a:rPr lang="en-IE" sz="3200" dirty="0"/>
+              <a:t>I was to do this project all over again, the only </a:t>
+            </a:r>
+            <a:r>
+              <a:rPr lang="en-IE" sz="3200" dirty="0" smtClean="0"/>
+              <a:t>things </a:t>
+            </a:r>
+            <a:r>
+              <a:rPr lang="en-IE" sz="3200" dirty="0"/>
+              <a:t>I would do differently is get through the first three steps as quickly as </a:t>
+            </a:r>
+            <a:r>
+              <a:rPr lang="en-IE" sz="3200" dirty="0" smtClean="0"/>
+              <a:t>possible, especially generating the results as it took me a while to mess around with the script. This would allow me </a:t>
+            </a:r>
+            <a:r>
+              <a:rPr lang="en-IE" sz="3200" dirty="0"/>
+              <a:t>to </a:t>
+            </a:r>
+            <a:r>
+              <a:rPr lang="en-IE" sz="3200" dirty="0" smtClean="0"/>
+              <a:t>spend more time </a:t>
+            </a:r>
+            <a:r>
+              <a:rPr lang="en-IE" sz="3200" dirty="0"/>
+              <a:t>for the </a:t>
+            </a:r>
+            <a:r>
+              <a:rPr lang="en-IE" sz="3200" dirty="0" smtClean="0"/>
+              <a:t>main and final goal, actually comparing the testers .</a:t>
+            </a:r>
+            <a:endParaRPr lang="en-IE" sz="3200" dirty="0"/>
           </a:p>
         </p:txBody>
       </p:sp>
     </p:spTree>
     <p:extLst>
       <p:ext uri="{BB962C8B-B14F-4D97-AF65-F5344CB8AC3E}">
-        <p14:creationId xmlns:p14="http://schemas.microsoft.com/office/powerpoint/2010/main" val="1919720623"/>
+        <p14:creationId xmlns:p14="http://schemas.microsoft.com/office/powerpoint/2010/main" val="475067410"/>
       </p:ext>
     </p:extLst>
   </p:cSld>
   <p:clrMapOvr>
     <a:masterClrMapping/>
   </p:clrMapOvr>
-  <mc:AlternateContent xmlns:mc="http://schemas.openxmlformats.org/markup-compatibility/2006">
-    <mc:Choice xmlns:p15="http://schemas.microsoft.com/office/powerpoint/2012/main" Requires="p15">
+  <mc:AlternateContent xmlns:mc="http://schemas.openxmlformats.org/markup-compatibility/2006" xmlns:p15="http://schemas.microsoft.com/office/powerpoint/2012/main">
+    <mc:Choice Requires="p15">
       <p:transition xmlns:p14="http://schemas.microsoft.com/office/powerpoint/2010/main" spd="slow" p14:dur="1250">
         <p15:prstTrans prst="peelOff"/>
       </p:transition>
     </mc:Choice>
-    <mc:Fallback>
+    <mc:Fallback xmlns="">
       <p:transition spd="slow">
         <p:fade/>
       </p:transition>
@@ -7085,14 +7105,20 @@
       </p:grpSpPr>
       <p:sp>
         <p:nvSpPr>
-          <p:cNvPr id="4" name="TextBox 3"/>
+          <p:cNvPr id="4" name="TextBox 3">
+            <a:extLst>
+              <a:ext uri="{FF2B5EF4-FFF2-40B4-BE49-F238E27FC236}">
+                <a16:creationId xmlns="" xmlns:a16="http://schemas.microsoft.com/office/drawing/2014/main" id="{4A292A8F-EB64-4EE8-8EE2-DB3E905EAB8E}"/>
+              </a:ext>
+            </a:extLst>
+          </p:cNvPr>
           <p:cNvSpPr txBox="1"/>
           <p:nvPr/>
         </p:nvSpPr>
         <p:spPr>
           <a:xfrm>
             <a:off x="1260034" y="968188"/>
-            <a:ext cx="2733441" cy="769441"/>
+            <a:ext cx="3113416" cy="769441"/>
           </a:xfrm>
           <a:prstGeom prst="rect">
             <a:avLst/>
@@ -7107,275 +7133,75 @@
           <a:p>
             <a:r>
               <a:rPr lang="en-IE" sz="4400" b="1" dirty="0"/>
-              <a:t>Conclusion</a:t>
-            </a:r>
-          </a:p>
-        </p:txBody>
-      </p:sp>
-      <p:sp>
-        <p:nvSpPr>
-          <p:cNvPr id="5" name="Subtitle 2"/>
-          <p:cNvSpPr txBox="1">
-            <a:spLocks/>
-          </p:cNvSpPr>
+              <a:t>Questions ?!</a:t>
+            </a:r>
+          </a:p>
+        </p:txBody>
+      </p:sp>
+      <p:pic>
+        <p:nvPicPr>
+          <p:cNvPr id="1026" name="Picture 2" descr="Image result for questions clipart">
+            <a:extLst>
+              <a:ext uri="{FF2B5EF4-FFF2-40B4-BE49-F238E27FC236}">
+                <a16:creationId xmlns="" xmlns:a16="http://schemas.microsoft.com/office/drawing/2014/main" id="{C6B407C7-B9F1-4ACF-858E-5F5750A52429}"/>
+              </a:ext>
+            </a:extLst>
+          </p:cNvPr>
+          <p:cNvPicPr>
+            <a:picLocks noChangeAspect="1" noChangeArrowheads="1"/>
+          </p:cNvPicPr>
           <p:nvPr/>
-        </p:nvSpPr>
-        <p:spPr>
-          <a:xfrm>
-            <a:off x="1249276" y="2108498"/>
-            <a:ext cx="9789512" cy="3896375"/>
+        </p:nvPicPr>
+        <p:blipFill>
+          <a:blip r:embed="rId2">
+            <a:extLst>
+              <a:ext uri="{28A0092B-C50C-407E-A947-70E740481C1C}">
+                <a14:useLocalDpi xmlns:a14="http://schemas.microsoft.com/office/drawing/2010/main" val="0"/>
+              </a:ext>
+            </a:extLst>
+          </a:blip>
+          <a:srcRect/>
+          <a:stretch>
+            <a:fillRect/>
+          </a:stretch>
+        </p:blipFill>
+        <p:spPr bwMode="auto">
+          <a:xfrm>
+            <a:off x="3233737" y="1857375"/>
+            <a:ext cx="5724525" cy="4293394"/>
           </a:xfrm>
           <a:prstGeom prst="rect">
             <a:avLst/>
           </a:prstGeom>
-        </p:spPr>
-        <p:txBody>
-          <a:bodyPr vert="horz" lIns="91440" tIns="45720" rIns="91440" bIns="45720" rtlCol="0">
-            <a:normAutofit fontScale="92500" lnSpcReduction="20000"/>
-          </a:bodyPr>
-          <a:lstStyle>
-            <a:lvl1pPr marL="228600" indent="-228600" algn="l" defTabSz="914400" rtl="0" eaLnBrk="1" latinLnBrk="0" hangingPunct="1">
-              <a:lnSpc>
-                <a:spcPct val="90000"/>
-              </a:lnSpc>
-              <a:spcBef>
-                <a:spcPts val="1000"/>
-              </a:spcBef>
-              <a:buFont typeface="Arial" panose="020B0604020202020204" pitchFamily="34" charset="0"/>
-              <a:buChar char="•"/>
-              <a:defRPr sz="2800" kern="1200">
-                <a:solidFill>
-                  <a:schemeClr val="tx1"/>
-                </a:solidFill>
-                <a:latin typeface="+mn-lt"/>
-                <a:ea typeface="+mn-ea"/>
-                <a:cs typeface="+mn-cs"/>
-              </a:defRPr>
-            </a:lvl1pPr>
-            <a:lvl2pPr marL="685800" indent="-228600" algn="l" defTabSz="914400" rtl="0" eaLnBrk="1" latinLnBrk="0" hangingPunct="1">
-              <a:lnSpc>
-                <a:spcPct val="90000"/>
-              </a:lnSpc>
-              <a:spcBef>
-                <a:spcPts val="500"/>
-              </a:spcBef>
-              <a:buFont typeface="Arial" panose="020B0604020202020204" pitchFamily="34" charset="0"/>
-              <a:buChar char="•"/>
-              <a:defRPr sz="2400" kern="1200">
-                <a:solidFill>
-                  <a:schemeClr val="tx1"/>
-                </a:solidFill>
-                <a:latin typeface="+mn-lt"/>
-                <a:ea typeface="+mn-ea"/>
-                <a:cs typeface="+mn-cs"/>
-              </a:defRPr>
-            </a:lvl2pPr>
-            <a:lvl3pPr marL="1143000" indent="-228600" algn="l" defTabSz="914400" rtl="0" eaLnBrk="1" latinLnBrk="0" hangingPunct="1">
-              <a:lnSpc>
-                <a:spcPct val="90000"/>
-              </a:lnSpc>
-              <a:spcBef>
-                <a:spcPts val="500"/>
-              </a:spcBef>
-              <a:buFont typeface="Arial" panose="020B0604020202020204" pitchFamily="34" charset="0"/>
-              <a:buChar char="•"/>
-              <a:defRPr sz="2000" kern="1200">
-                <a:solidFill>
-                  <a:schemeClr val="tx1"/>
-                </a:solidFill>
-                <a:latin typeface="+mn-lt"/>
-                <a:ea typeface="+mn-ea"/>
-                <a:cs typeface="+mn-cs"/>
-              </a:defRPr>
-            </a:lvl3pPr>
-            <a:lvl4pPr marL="1600200" indent="-228600" algn="l" defTabSz="914400" rtl="0" eaLnBrk="1" latinLnBrk="0" hangingPunct="1">
-              <a:lnSpc>
-                <a:spcPct val="90000"/>
-              </a:lnSpc>
-              <a:spcBef>
-                <a:spcPts val="500"/>
-              </a:spcBef>
-              <a:buFont typeface="Arial" panose="020B0604020202020204" pitchFamily="34" charset="0"/>
-              <a:buChar char="•"/>
-              <a:defRPr sz="1800" kern="1200">
-                <a:solidFill>
-                  <a:schemeClr val="tx1"/>
-                </a:solidFill>
-                <a:latin typeface="+mn-lt"/>
-                <a:ea typeface="+mn-ea"/>
-                <a:cs typeface="+mn-cs"/>
-              </a:defRPr>
-            </a:lvl4pPr>
-            <a:lvl5pPr marL="2057400" indent="-228600" algn="l" defTabSz="914400" rtl="0" eaLnBrk="1" latinLnBrk="0" hangingPunct="1">
-              <a:lnSpc>
-                <a:spcPct val="90000"/>
-              </a:lnSpc>
-              <a:spcBef>
-                <a:spcPts val="500"/>
-              </a:spcBef>
-              <a:buFont typeface="Arial" panose="020B0604020202020204" pitchFamily="34" charset="0"/>
-              <a:buChar char="•"/>
-              <a:defRPr sz="1800" kern="1200">
-                <a:solidFill>
-                  <a:schemeClr val="tx1"/>
-                </a:solidFill>
-                <a:latin typeface="+mn-lt"/>
-                <a:ea typeface="+mn-ea"/>
-                <a:cs typeface="+mn-cs"/>
-              </a:defRPr>
-            </a:lvl5pPr>
-            <a:lvl6pPr marL="2514600" indent="-228600" algn="l" defTabSz="914400" rtl="0" eaLnBrk="1" latinLnBrk="0" hangingPunct="1">
-              <a:lnSpc>
-                <a:spcPct val="90000"/>
-              </a:lnSpc>
-              <a:spcBef>
-                <a:spcPts val="500"/>
-              </a:spcBef>
-              <a:buFont typeface="Arial" panose="020B0604020202020204" pitchFamily="34" charset="0"/>
-              <a:buChar char="•"/>
-              <a:defRPr sz="1800" kern="1200">
-                <a:solidFill>
-                  <a:schemeClr val="tx1"/>
-                </a:solidFill>
-                <a:latin typeface="+mn-lt"/>
-                <a:ea typeface="+mn-ea"/>
-                <a:cs typeface="+mn-cs"/>
-              </a:defRPr>
-            </a:lvl6pPr>
-            <a:lvl7pPr marL="2971800" indent="-228600" algn="l" defTabSz="914400" rtl="0" eaLnBrk="1" latinLnBrk="0" hangingPunct="1">
-              <a:lnSpc>
-                <a:spcPct val="90000"/>
-              </a:lnSpc>
-              <a:spcBef>
-                <a:spcPts val="500"/>
-              </a:spcBef>
-              <a:buFont typeface="Arial" panose="020B0604020202020204" pitchFamily="34" charset="0"/>
-              <a:buChar char="•"/>
-              <a:defRPr sz="1800" kern="1200">
-                <a:solidFill>
-                  <a:schemeClr val="tx1"/>
-                </a:solidFill>
-                <a:latin typeface="+mn-lt"/>
-                <a:ea typeface="+mn-ea"/>
-                <a:cs typeface="+mn-cs"/>
-              </a:defRPr>
-            </a:lvl7pPr>
-            <a:lvl8pPr marL="3429000" indent="-228600" algn="l" defTabSz="914400" rtl="0" eaLnBrk="1" latinLnBrk="0" hangingPunct="1">
-              <a:lnSpc>
-                <a:spcPct val="90000"/>
-              </a:lnSpc>
-              <a:spcBef>
-                <a:spcPts val="500"/>
-              </a:spcBef>
-              <a:buFont typeface="Arial" panose="020B0604020202020204" pitchFamily="34" charset="0"/>
-              <a:buChar char="•"/>
-              <a:defRPr sz="1800" kern="1200">
-                <a:solidFill>
-                  <a:schemeClr val="tx1"/>
-                </a:solidFill>
-                <a:latin typeface="+mn-lt"/>
-                <a:ea typeface="+mn-ea"/>
-                <a:cs typeface="+mn-cs"/>
-              </a:defRPr>
-            </a:lvl8pPr>
-            <a:lvl9pPr marL="3886200" indent="-228600" algn="l" defTabSz="914400" rtl="0" eaLnBrk="1" latinLnBrk="0" hangingPunct="1">
-              <a:lnSpc>
-                <a:spcPct val="90000"/>
-              </a:lnSpc>
-              <a:spcBef>
-                <a:spcPts val="500"/>
-              </a:spcBef>
-              <a:buFont typeface="Arial" panose="020B0604020202020204" pitchFamily="34" charset="0"/>
-              <a:buChar char="•"/>
-              <a:defRPr sz="1800" kern="1200">
-                <a:solidFill>
-                  <a:schemeClr val="tx1"/>
-                </a:solidFill>
-                <a:latin typeface="+mn-lt"/>
-                <a:ea typeface="+mn-ea"/>
-                <a:cs typeface="+mn-cs"/>
-              </a:defRPr>
-            </a:lvl9pPr>
-          </a:lstStyle>
-          <a:p>
-            <a:pPr marL="447675" indent="-447675"/>
-            <a:r>
-              <a:rPr lang="en-IE" sz="3200" dirty="0"/>
-              <a:t>Even though the final goal </a:t>
-            </a:r>
-            <a:r>
-              <a:rPr lang="en-IE" sz="3200" dirty="0" smtClean="0"/>
-              <a:t>is not yet completed, all the material (results) are generated, so there needs to be a lot of comparing done between the testers, wher</a:t>
-            </a:r>
-            <a:r>
-              <a:rPr lang="en-IE" sz="3200" dirty="0" smtClean="0"/>
-              <a:t>e the key differences in operation and result output should be identified. </a:t>
-            </a:r>
-            <a:endParaRPr lang="en-IE" sz="3200" dirty="0" smtClean="0"/>
-          </a:p>
-          <a:p>
-            <a:pPr marL="447675" indent="-447675"/>
-            <a:r>
-              <a:rPr lang="en-IE" sz="3200" dirty="0" smtClean="0"/>
-              <a:t>If </a:t>
-            </a:r>
-            <a:r>
-              <a:rPr lang="en-IE" sz="3200" dirty="0"/>
-              <a:t>I was to do this project all over again, the only </a:t>
-            </a:r>
-            <a:r>
-              <a:rPr lang="en-IE" sz="3200" dirty="0" smtClean="0"/>
-              <a:t>things </a:t>
-            </a:r>
-            <a:r>
-              <a:rPr lang="en-IE" sz="3200" dirty="0"/>
-              <a:t>I would do differently is get through the first three steps as quickly as </a:t>
-            </a:r>
-            <a:r>
-              <a:rPr lang="en-IE" sz="3200" dirty="0" smtClean="0"/>
-              <a:t>possible, especially generating the results as it took me a while to mess around with the script. This would allow me </a:t>
-            </a:r>
-            <a:r>
-              <a:rPr lang="en-IE" sz="3200" dirty="0"/>
-              <a:t>to </a:t>
-            </a:r>
-            <a:r>
-              <a:rPr lang="en-IE" sz="3200" dirty="0" smtClean="0"/>
-              <a:t>spend more time </a:t>
-            </a:r>
-            <a:r>
-              <a:rPr lang="en-IE" sz="3200" dirty="0"/>
-              <a:t>for the </a:t>
-            </a:r>
-            <a:r>
-              <a:rPr lang="en-IE" sz="3200" dirty="0" smtClean="0"/>
-              <a:t>main and final goal, actually comparing the testers</a:t>
-            </a:r>
-            <a:r>
-              <a:rPr lang="en-IE" sz="3200" dirty="0" smtClean="0"/>
-              <a:t> .</a:t>
-            </a:r>
-            <a:endParaRPr lang="en-IE" sz="3200" dirty="0"/>
-          </a:p>
-        </p:txBody>
-      </p:sp>
+          <a:noFill/>
+          <a:extLst>
+            <a:ext uri="{909E8E84-426E-40DD-AFC4-6F175D3DCCD1}">
+              <a14:hiddenFill xmlns:a14="http://schemas.microsoft.com/office/drawing/2010/main">
+                <a:solidFill>
+                  <a:srgbClr val="FFFFFF"/>
+                </a:solidFill>
+              </a14:hiddenFill>
+            </a:ext>
+          </a:extLst>
+        </p:spPr>
+      </p:pic>
     </p:spTree>
     <p:extLst>
       <p:ext uri="{BB962C8B-B14F-4D97-AF65-F5344CB8AC3E}">
-        <p14:creationId xmlns:p14="http://schemas.microsoft.com/office/powerpoint/2010/main" val="475067410"/>
+        <p14:creationId xmlns:p14="http://schemas.microsoft.com/office/powerpoint/2010/main" val="2198397820"/>
       </p:ext>
     </p:extLst>
   </p:cSld>
   <p:clrMapOvr>
     <a:masterClrMapping/>
   </p:clrMapOvr>
-  <mc:AlternateContent xmlns:mc="http://schemas.openxmlformats.org/markup-compatibility/2006">
-    <mc:Choice xmlns:p15="http://schemas.microsoft.com/office/powerpoint/2012/main" Requires="p15">
+  <mc:AlternateContent xmlns:mc="http://schemas.openxmlformats.org/markup-compatibility/2006" xmlns:p15="http://schemas.microsoft.com/office/powerpoint/2012/main">
+    <mc:Choice Requires="p15">
       <p:transition xmlns:p14="http://schemas.microsoft.com/office/powerpoint/2010/main" spd="slow" p14:dur="1250">
         <p15:prstTrans prst="peelOff"/>
       </p:transition>
     </mc:Choice>
-    <mc:Fallback>
+    <mc:Fallback xmlns="">
       <p:transition spd="slow">
         <p:fade/>
       </p:transition>
@@ -7594,7 +7420,7 @@
             </a:lvl9pPr>
           </a:lstStyle>
           <a:p>
-            <a:pPr marL="474663" indent="-457200" algn="just"/>
+            <a:pPr marL="474663" indent="-457200"/>
             <a:r>
               <a:rPr lang="en-IE" dirty="0" smtClean="0"/>
               <a:t>There are a lot of different testers on the internet and the results vary depending on their “understanding”.</a:t>
@@ -7602,7 +7428,7 @@
             <a:endParaRPr lang="en-IE" sz="500" dirty="0"/>
           </a:p>
           <a:p>
-            <a:pPr marL="474663" indent="-457200" algn="just"/>
+            <a:pPr marL="474663" indent="-457200"/>
             <a:r>
               <a:rPr lang="en-IE" dirty="0"/>
               <a:t>Therefore, the purpose of this project is </a:t>
@@ -7650,7 +7476,7 @@
           <p:cNvPr id="2" name="Rectangle 1">
             <a:extLst>
               <a:ext uri="{FF2B5EF4-FFF2-40B4-BE49-F238E27FC236}">
-                <a16:creationId xmlns:a16="http://schemas.microsoft.com/office/drawing/2014/main" xmlns="" id="{755269FF-569C-43B2-A40F-491965F4F9B9}"/>
+                <a16:creationId xmlns="" xmlns:a16="http://schemas.microsoft.com/office/drawing/2014/main" id="{755269FF-569C-43B2-A40F-491965F4F9B9}"/>
               </a:ext>
             </a:extLst>
           </p:cNvPr>
@@ -7778,13 +7604,13 @@
   <p:clrMapOvr>
     <a:masterClrMapping/>
   </p:clrMapOvr>
-  <mc:AlternateContent xmlns:mc="http://schemas.openxmlformats.org/markup-compatibility/2006">
-    <mc:Choice xmlns:p15="http://schemas.microsoft.com/office/powerpoint/2012/main" Requires="p15">
+  <mc:AlternateContent xmlns:mc="http://schemas.openxmlformats.org/markup-compatibility/2006" xmlns:p15="http://schemas.microsoft.com/office/powerpoint/2012/main">
+    <mc:Choice Requires="p15">
       <p:transition xmlns:p14="http://schemas.microsoft.com/office/powerpoint/2010/main" spd="slow" p14:dur="1250">
         <p15:prstTrans prst="peelOff"/>
       </p:transition>
     </mc:Choice>
-    <mc:Fallback>
+    <mc:Fallback xmlns="">
       <p:transition spd="slow">
         <p:fade/>
       </p:transition>
@@ -7884,137 +7710,6 @@
 </p:sld>
 </file>
 
-<file path=ppt/slides/slide20.xml><?xml version="1.0" encoding="utf-8"?>
-<p:sld xmlns:a="http://schemas.openxmlformats.org/drawingml/2006/main" xmlns:r="http://schemas.openxmlformats.org/officeDocument/2006/relationships" xmlns:p="http://schemas.openxmlformats.org/presentationml/2006/main">
-  <p:cSld>
-    <p:spTree>
-      <p:nvGrpSpPr>
-        <p:cNvPr id="1" name=""/>
-        <p:cNvGrpSpPr/>
-        <p:nvPr/>
-      </p:nvGrpSpPr>
-      <p:grpSpPr>
-        <a:xfrm>
-          <a:off x="0" y="0"/>
-          <a:ext cx="0" cy="0"/>
-          <a:chOff x="0" y="0"/>
-          <a:chExt cx="0" cy="0"/>
-        </a:xfrm>
-      </p:grpSpPr>
-      <p:sp>
-        <p:nvSpPr>
-          <p:cNvPr id="4" name="TextBox 3">
-            <a:extLst>
-              <a:ext uri="{FF2B5EF4-FFF2-40B4-BE49-F238E27FC236}">
-                <a16:creationId xmlns:a16="http://schemas.microsoft.com/office/drawing/2014/main" xmlns="" id="{4A292A8F-EB64-4EE8-8EE2-DB3E905EAB8E}"/>
-              </a:ext>
-            </a:extLst>
-          </p:cNvPr>
-          <p:cNvSpPr txBox="1"/>
-          <p:nvPr/>
-        </p:nvSpPr>
-        <p:spPr>
-          <a:xfrm>
-            <a:off x="1260034" y="968188"/>
-            <a:ext cx="3113416" cy="769441"/>
-          </a:xfrm>
-          <a:prstGeom prst="rect">
-            <a:avLst/>
-          </a:prstGeom>
-          <a:noFill/>
-        </p:spPr>
-        <p:txBody>
-          <a:bodyPr wrap="none" rtlCol="0">
-            <a:spAutoFit/>
-          </a:bodyPr>
-          <a:lstStyle/>
-          <a:p>
-            <a:r>
-              <a:rPr lang="en-IE" sz="4400" b="1" dirty="0"/>
-              <a:t>Questions ?!</a:t>
-            </a:r>
-          </a:p>
-        </p:txBody>
-      </p:sp>
-      <p:pic>
-        <p:nvPicPr>
-          <p:cNvPr id="1026" name="Picture 2" descr="Image result for questions clipart">
-            <a:extLst>
-              <a:ext uri="{FF2B5EF4-FFF2-40B4-BE49-F238E27FC236}">
-                <a16:creationId xmlns:a16="http://schemas.microsoft.com/office/drawing/2014/main" xmlns="" id="{C6B407C7-B9F1-4ACF-858E-5F5750A52429}"/>
-              </a:ext>
-            </a:extLst>
-          </p:cNvPr>
-          <p:cNvPicPr>
-            <a:picLocks noChangeAspect="1" noChangeArrowheads="1"/>
-          </p:cNvPicPr>
-          <p:nvPr/>
-        </p:nvPicPr>
-        <p:blipFill>
-          <a:blip r:embed="rId2">
-            <a:extLst>
-              <a:ext uri="{28A0092B-C50C-407E-A947-70E740481C1C}">
-                <a14:useLocalDpi xmlns:a14="http://schemas.microsoft.com/office/drawing/2010/main" val="0"/>
-              </a:ext>
-            </a:extLst>
-          </a:blip>
-          <a:srcRect/>
-          <a:stretch>
-            <a:fillRect/>
-          </a:stretch>
-        </p:blipFill>
-        <p:spPr bwMode="auto">
-          <a:xfrm>
-            <a:off x="3233737" y="1857375"/>
-            <a:ext cx="5724525" cy="4293394"/>
-          </a:xfrm>
-          <a:prstGeom prst="rect">
-            <a:avLst/>
-          </a:prstGeom>
-          <a:noFill/>
-          <a:extLst>
-            <a:ext uri="{909E8E84-426E-40DD-AFC4-6F175D3DCCD1}">
-              <a14:hiddenFill xmlns:a14="http://schemas.microsoft.com/office/drawing/2010/main">
-                <a:solidFill>
-                  <a:srgbClr val="FFFFFF"/>
-                </a:solidFill>
-              </a14:hiddenFill>
-            </a:ext>
-          </a:extLst>
-        </p:spPr>
-      </p:pic>
-    </p:spTree>
-    <p:extLst>
-      <p:ext uri="{BB962C8B-B14F-4D97-AF65-F5344CB8AC3E}">
-        <p14:creationId xmlns:p14="http://schemas.microsoft.com/office/powerpoint/2010/main" val="2198397820"/>
-      </p:ext>
-    </p:extLst>
-  </p:cSld>
-  <p:clrMapOvr>
-    <a:masterClrMapping/>
-  </p:clrMapOvr>
-  <mc:AlternateContent xmlns:mc="http://schemas.openxmlformats.org/markup-compatibility/2006">
-    <mc:Choice xmlns:p15="http://schemas.microsoft.com/office/powerpoint/2012/main" Requires="p15">
-      <p:transition xmlns:p14="http://schemas.microsoft.com/office/powerpoint/2010/main" spd="slow" p14:dur="1250">
-        <p15:prstTrans prst="peelOff"/>
-      </p:transition>
-    </mc:Choice>
-    <mc:Fallback>
-      <p:transition spd="slow">
-        <p:fade/>
-      </p:transition>
-    </mc:Fallback>
-  </mc:AlternateContent>
-  <p:timing>
-    <p:tnLst>
-      <p:par>
-        <p:cTn id="1" dur="indefinite" restart="never" nodeType="tmRoot"/>
-      </p:par>
-    </p:tnLst>
-  </p:timing>
-</p:sld>
-</file>
-
 <file path=ppt/slides/slide3.xml><?xml version="1.0" encoding="utf-8"?>
 <p:sld xmlns:a="http://schemas.openxmlformats.org/drawingml/2006/main" xmlns:r="http://schemas.openxmlformats.org/officeDocument/2006/relationships" xmlns:p="http://schemas.openxmlformats.org/presentationml/2006/main">
   <p:cSld>
@@ -8051,7 +7746,7 @@
         </p:spPr>
         <p:txBody>
           <a:bodyPr vert="horz" lIns="91440" tIns="45720" rIns="91440" bIns="45720" rtlCol="0">
-            <a:normAutofit fontScale="85000" lnSpcReduction="20000"/>
+            <a:normAutofit fontScale="92500" lnSpcReduction="20000"/>
           </a:bodyPr>
           <a:lstStyle>
             <a:lvl1pPr marL="228600" indent="-228600" algn="l" defTabSz="914400" rtl="0" eaLnBrk="1" latinLnBrk="0" hangingPunct="1">
@@ -8225,25 +7920,19 @@
             </a:r>
             <a:r>
               <a:rPr lang="en-IE" dirty="0" smtClean="0"/>
-              <a:t>to find out which testers allow the use of command line interface in order to fetch the results and then be able to compare the testers depending on the generated results. Sone testers don’t allow the use of command line interface, thus for a worst case scenario screen scraping was used.</a:t>
+              <a:t>to find out which testers allow the use of command line interface in order to fetch the results and then be able to compare the testers depending on the generated results. Sone testers don’t allow the use of command line interface, thus for a worst case scenario screen scraping was used</a:t>
+            </a:r>
+            <a:r>
+              <a:rPr lang="en-IE" dirty="0" smtClean="0"/>
+              <a:t>.</a:t>
             </a:r>
             <a:endParaRPr lang="en-IE" sz="600" dirty="0"/>
           </a:p>
           <a:p>
-            <a:pPr marL="17463" indent="0" algn="just">
-              <a:buNone/>
-            </a:pPr>
-            <a:endParaRPr lang="en-IE" sz="600" dirty="0"/>
-          </a:p>
-          <a:p>
             <a:pPr marL="474663" indent="-457200" algn="just"/>
             <a:r>
               <a:rPr lang="en-IE" dirty="0" smtClean="0"/>
-              <a:t>Go </a:t>
-            </a:r>
-            <a:r>
-              <a:rPr lang="en-IE" dirty="0" smtClean="0"/>
-              <a:t>was </a:t>
+              <a:t>Go was </a:t>
             </a:r>
             <a:r>
               <a:rPr lang="en-IE" dirty="0"/>
@@ -8258,25 +7947,23 @@
             <a:pPr marL="474663" indent="-457200" algn="just"/>
             <a:r>
               <a:rPr lang="en-IE" dirty="0" smtClean="0"/>
-              <a:t>I am a Windows guy, but for Mozilla Observatory, I had to use Ubuntu VM, as these guys don’t support Windows</a:t>
-            </a:r>
-            <a:endParaRPr lang="en-IE" dirty="0"/>
-          </a:p>
-          <a:p>
-            <a:pPr marL="0" indent="0" algn="just">
-              <a:buNone/>
-            </a:pPr>
+              <a:t>I am a Windows guy, but for Mozilla Observatory, I had to use Ubuntu VM, as these guys don’t support </a:t>
+            </a:r>
+            <a:r>
+              <a:rPr lang="en-IE" dirty="0" smtClean="0"/>
+              <a:t>Windows</a:t>
+            </a:r>
+            <a:r>
+              <a:rPr lang="ru-RU" dirty="0" smtClean="0"/>
+              <a:t>.</a:t>
+            </a:r>
             <a:endParaRPr lang="en-IE" sz="600" dirty="0"/>
           </a:p>
           <a:p>
             <a:pPr marL="474663" indent="-457200"/>
             <a:r>
               <a:rPr lang="en-IE" dirty="0"/>
-              <a:t>This project consisted of </a:t>
-            </a:r>
-            <a:r>
-              <a:rPr lang="en-IE" dirty="0"/>
-              <a:t>4</a:t>
+              <a:t>This project consisted of 4</a:t>
             </a:r>
             <a:r>
               <a:rPr lang="en-IE" dirty="0" smtClean="0"/>
@@ -8296,11 +7983,7 @@
             </a:r>
             <a:r>
               <a:rPr lang="en-IE" dirty="0" smtClean="0"/>
-              <a:t>and</a:t>
-            </a:r>
-            <a:r>
-              <a:rPr lang="en-IE" dirty="0" smtClean="0"/>
-              <a:t> Evaluation. </a:t>
+              <a:t>and Evaluation. </a:t>
             </a:r>
             <a:endParaRPr lang="en-IE" dirty="0"/>
           </a:p>
@@ -8350,13 +8033,13 @@
   <p:clrMapOvr>
     <a:masterClrMapping/>
   </p:clrMapOvr>
-  <mc:AlternateContent xmlns:mc="http://schemas.openxmlformats.org/markup-compatibility/2006">
-    <mc:Choice xmlns:p15="http://schemas.microsoft.com/office/powerpoint/2012/main" Requires="p15">
+  <mc:AlternateContent xmlns:mc="http://schemas.openxmlformats.org/markup-compatibility/2006" xmlns:p15="http://schemas.microsoft.com/office/powerpoint/2012/main">
+    <mc:Choice Requires="p15">
       <p:transition xmlns:p14="http://schemas.microsoft.com/office/powerpoint/2010/main" spd="slow" p14:dur="1250">
         <p15:prstTrans prst="peelOff"/>
       </p:transition>
     </mc:Choice>
-    <mc:Fallback>
+    <mc:Fallback xmlns="">
       <p:transition spd="slow">
         <p:fade/>
       </p:transition>
@@ -8590,11 +8273,7 @@
             <a:pPr marL="442913" indent="-442913"/>
             <a:r>
               <a:rPr lang="en-IE" dirty="0" smtClean="0"/>
-              <a:t>Each tester would then be added to the overall list</a:t>
-            </a:r>
-            <a:r>
-              <a:rPr lang="en-IE" dirty="0" smtClean="0"/>
-              <a:t>.</a:t>
+              <a:t>Each tester would then be added to the overall list.</a:t>
             </a:r>
             <a:endParaRPr lang="en-IE" dirty="0"/>
           </a:p>
@@ -8679,13 +8358,13 @@
   <p:clrMapOvr>
     <a:masterClrMapping/>
   </p:clrMapOvr>
-  <mc:AlternateContent xmlns:mc="http://schemas.openxmlformats.org/markup-compatibility/2006">
-    <mc:Choice xmlns:p15="http://schemas.microsoft.com/office/powerpoint/2012/main" Requires="p15">
+  <mc:AlternateContent xmlns:mc="http://schemas.openxmlformats.org/markup-compatibility/2006" xmlns:p15="http://schemas.microsoft.com/office/powerpoint/2012/main">
+    <mc:Choice Requires="p15">
       <p:transition xmlns:p14="http://schemas.microsoft.com/office/powerpoint/2010/main" spd="slow" p14:dur="1250">
         <p15:prstTrans prst="peelOff"/>
       </p:transition>
     </mc:Choice>
-    <mc:Fallback>
+    <mc:Fallback xmlns="">
       <p:transition spd="slow">
         <p:fade/>
       </p:transition>
@@ -8956,7 +8635,7 @@
           <p:cNvPr id="2" name="TextBox 1">
             <a:extLst>
               <a:ext uri="{FF2B5EF4-FFF2-40B4-BE49-F238E27FC236}">
-                <a16:creationId xmlns:a16="http://schemas.microsoft.com/office/drawing/2014/main" xmlns="" id="{284E0975-9BAE-4DD0-919B-7C4BAE0CB39C}"/>
+                <a16:creationId xmlns="" xmlns:a16="http://schemas.microsoft.com/office/drawing/2014/main" id="{284E0975-9BAE-4DD0-919B-7C4BAE0CB39C}"/>
               </a:ext>
             </a:extLst>
           </p:cNvPr>
@@ -8966,7 +8645,7 @@
         <p:spPr>
           <a:xfrm>
             <a:off x="1260034" y="2562294"/>
-            <a:ext cx="3912041" cy="3708708"/>
+            <a:ext cx="3912041" cy="3477875"/>
           </a:xfrm>
           <a:prstGeom prst="rect">
             <a:avLst/>
@@ -8985,15 +8664,12 @@
             </a:pPr>
             <a:r>
               <a:rPr lang="en-IE" sz="2200" dirty="0" smtClean="0"/>
-              <a:t>DNS, TLS and overall Web testers.</a:t>
-            </a:r>
-            <a:endParaRPr lang="en-IE" sz="2200" dirty="0"/>
-          </a:p>
-          <a:p>
-            <a:pPr marL="442913" indent="-442913">
-              <a:buFont typeface="Arial" panose="020B0604020202020204" pitchFamily="34" charset="0"/>
-              <a:buChar char="•"/>
-            </a:pPr>
+              <a:t>DNS, TLS and overall Web testers</a:t>
+            </a:r>
+            <a:r>
+              <a:rPr lang="en-IE" sz="2200" dirty="0" smtClean="0"/>
+              <a:t>.</a:t>
+            </a:r>
             <a:endParaRPr lang="en-IE" sz="1500" dirty="0"/>
           </a:p>
           <a:p>
@@ -9052,13 +8728,13 @@
   <p:clrMapOvr>
     <a:masterClrMapping/>
   </p:clrMapOvr>
-  <mc:AlternateContent xmlns:mc="http://schemas.openxmlformats.org/markup-compatibility/2006">
-    <mc:Choice xmlns:p15="http://schemas.microsoft.com/office/powerpoint/2012/main" Requires="p15">
+  <mc:AlternateContent xmlns:mc="http://schemas.openxmlformats.org/markup-compatibility/2006" xmlns:p15="http://schemas.microsoft.com/office/powerpoint/2012/main">
+    <mc:Choice Requires="p15">
       <p:transition xmlns:p14="http://schemas.microsoft.com/office/powerpoint/2010/main" spd="slow" p14:dur="1250">
         <p15:prstTrans prst="peelOff"/>
       </p:transition>
     </mc:Choice>
-    <mc:Fallback>
+    <mc:Fallback xmlns="">
       <p:transition spd="slow">
         <p:fade/>
       </p:transition>
@@ -9385,13 +9061,13 @@
   <p:clrMapOvr>
     <a:masterClrMapping/>
   </p:clrMapOvr>
-  <mc:AlternateContent xmlns:mc="http://schemas.openxmlformats.org/markup-compatibility/2006">
-    <mc:Choice xmlns:p15="http://schemas.microsoft.com/office/powerpoint/2012/main" Requires="p15">
+  <mc:AlternateContent xmlns:mc="http://schemas.openxmlformats.org/markup-compatibility/2006" xmlns:p15="http://schemas.microsoft.com/office/powerpoint/2012/main">
+    <mc:Choice Requires="p15">
       <p:transition xmlns:p14="http://schemas.microsoft.com/office/powerpoint/2010/main" spd="slow" p14:dur="1250">
         <p15:prstTrans prst="peelOff"/>
       </p:transition>
     </mc:Choice>
-    <mc:Fallback>
+    <mc:Fallback xmlns="">
       <p:transition spd="slow">
         <p:fade/>
       </p:transition>
@@ -9491,13 +9167,13 @@
   <p:clrMapOvr>
     <a:masterClrMapping/>
   </p:clrMapOvr>
-  <mc:AlternateContent xmlns:mc="http://schemas.openxmlformats.org/markup-compatibility/2006">
-    <mc:Choice xmlns:p15="http://schemas.microsoft.com/office/powerpoint/2012/main" Requires="p15">
+  <mc:AlternateContent xmlns:mc="http://schemas.openxmlformats.org/markup-compatibility/2006" xmlns:p15="http://schemas.microsoft.com/office/powerpoint/2012/main">
+    <mc:Choice Requires="p15">
       <p:transition xmlns:p14="http://schemas.microsoft.com/office/powerpoint/2010/main" spd="slow" p14:dur="1250">
         <p15:prstTrans prst="peelOff"/>
       </p:transition>
     </mc:Choice>
-    <mc:Fallback>
+    <mc:Fallback xmlns="">
       <p:transition spd="slow">
         <p:fade/>
       </p:transition>
@@ -9597,13 +9273,13 @@
   <p:clrMapOvr>
     <a:masterClrMapping/>
   </p:clrMapOvr>
-  <mc:AlternateContent xmlns:mc="http://schemas.openxmlformats.org/markup-compatibility/2006">
-    <mc:Choice xmlns:p15="http://schemas.microsoft.com/office/powerpoint/2012/main" Requires="p15">
+  <mc:AlternateContent xmlns:mc="http://schemas.openxmlformats.org/markup-compatibility/2006" xmlns:p15="http://schemas.microsoft.com/office/powerpoint/2012/main">
+    <mc:Choice Requires="p15">
       <p:transition xmlns:p14="http://schemas.microsoft.com/office/powerpoint/2010/main" spd="slow" p14:dur="1250">
         <p15:prstTrans prst="peelOff"/>
       </p:transition>
     </mc:Choice>
-    <mc:Fallback>
+    <mc:Fallback xmlns="">
       <p:transition spd="slow">
         <p:fade/>
       </p:transition>
@@ -9703,13 +9379,13 @@
   <p:clrMapOvr>
     <a:masterClrMapping/>
   </p:clrMapOvr>
-  <mc:AlternateContent xmlns:mc="http://schemas.openxmlformats.org/markup-compatibility/2006">
-    <mc:Choice xmlns:p15="http://schemas.microsoft.com/office/powerpoint/2012/main" Requires="p15">
+  <mc:AlternateContent xmlns:mc="http://schemas.openxmlformats.org/markup-compatibility/2006" xmlns:p15="http://schemas.microsoft.com/office/powerpoint/2012/main">
+    <mc:Choice Requires="p15">
       <p:transition xmlns:p14="http://schemas.microsoft.com/office/powerpoint/2010/main" spd="slow" p14:dur="1250">
         <p15:prstTrans prst="peelOff"/>
       </p:transition>
     </mc:Choice>
-    <mc:Fallback>
+    <mc:Fallback xmlns="">
       <p:transition spd="slow">
         <p:fade/>
       </p:transition>
